--- a/PowerPoints/EECE5554_Final_Project.pptx
+++ b/PowerPoints/EECE5554_Final_Project.pptx
@@ -5,26 +5,34 @@
     <p:sldMasterId id="2147483661" r:id="rId1"/>
   </p:sldMasterIdLst>
   <p:notesMasterIdLst>
-    <p:notesMasterId r:id="rId19"/>
+    <p:notesMasterId r:id="rId27"/>
   </p:notesMasterIdLst>
   <p:sldIdLst>
     <p:sldId id="266" r:id="rId2"/>
-    <p:sldId id="287" r:id="rId3"/>
-    <p:sldId id="288" r:id="rId4"/>
-    <p:sldId id="296" r:id="rId5"/>
-    <p:sldId id="289" r:id="rId6"/>
-    <p:sldId id="290" r:id="rId7"/>
-    <p:sldId id="297" r:id="rId8"/>
-    <p:sldId id="300" r:id="rId9"/>
-    <p:sldId id="298" r:id="rId10"/>
-    <p:sldId id="299" r:id="rId11"/>
-    <p:sldId id="292" r:id="rId12"/>
-    <p:sldId id="293" r:id="rId13"/>
-    <p:sldId id="291" r:id="rId14"/>
-    <p:sldId id="294" r:id="rId15"/>
-    <p:sldId id="283" r:id="rId16"/>
-    <p:sldId id="301" r:id="rId17"/>
-    <p:sldId id="295" r:id="rId18"/>
+    <p:sldId id="289" r:id="rId3"/>
+    <p:sldId id="314" r:id="rId4"/>
+    <p:sldId id="287" r:id="rId5"/>
+    <p:sldId id="288" r:id="rId6"/>
+    <p:sldId id="296" r:id="rId7"/>
+    <p:sldId id="317" r:id="rId8"/>
+    <p:sldId id="290" r:id="rId9"/>
+    <p:sldId id="302" r:id="rId10"/>
+    <p:sldId id="303" r:id="rId11"/>
+    <p:sldId id="297" r:id="rId12"/>
+    <p:sldId id="300" r:id="rId13"/>
+    <p:sldId id="298" r:id="rId14"/>
+    <p:sldId id="299" r:id="rId15"/>
+    <p:sldId id="313" r:id="rId16"/>
+    <p:sldId id="292" r:id="rId17"/>
+    <p:sldId id="312" r:id="rId18"/>
+    <p:sldId id="293" r:id="rId19"/>
+    <p:sldId id="311" r:id="rId20"/>
+    <p:sldId id="291" r:id="rId21"/>
+    <p:sldId id="310" r:id="rId22"/>
+    <p:sldId id="294" r:id="rId23"/>
+    <p:sldId id="283" r:id="rId24"/>
+    <p:sldId id="301" r:id="rId25"/>
+    <p:sldId id="295" r:id="rId26"/>
   </p:sldIdLst>
   <p:sldSz cx="9144000" cy="6858000" type="screen4x3"/>
   <p:notesSz cx="6858000" cy="9144000"/>
@@ -664,6 +672,426 @@
 </p:notes>
 </file>
 
+<file path=ppt/notesSlides/notesSlide10.xml><?xml version="1.0" encoding="utf-8"?>
+<p:notes xmlns:a="http://schemas.openxmlformats.org/drawingml/2006/main" xmlns:r="http://schemas.openxmlformats.org/officeDocument/2006/relationships" xmlns:p="http://schemas.openxmlformats.org/presentationml/2006/main">
+  <p:cSld>
+    <p:spTree>
+      <p:nvGrpSpPr>
+        <p:cNvPr id="1" name=""/>
+        <p:cNvGrpSpPr/>
+        <p:nvPr/>
+      </p:nvGrpSpPr>
+      <p:grpSpPr>
+        <a:xfrm>
+          <a:off x="0" y="0"/>
+          <a:ext cx="0" cy="0"/>
+          <a:chOff x="0" y="0"/>
+          <a:chExt cx="0" cy="0"/>
+        </a:xfrm>
+      </p:grpSpPr>
+      <p:sp>
+        <p:nvSpPr>
+          <p:cNvPr id="2" name="Slide Image Placeholder 1"/>
+          <p:cNvSpPr>
+            <a:spLocks noGrp="1" noRot="1" noChangeAspect="1"/>
+          </p:cNvSpPr>
+          <p:nvPr>
+            <p:ph type="sldImg"/>
+          </p:nvPr>
+        </p:nvSpPr>
+        <p:spPr/>
+      </p:sp>
+      <p:sp>
+        <p:nvSpPr>
+          <p:cNvPr id="3" name="Notes Placeholder 2"/>
+          <p:cNvSpPr>
+            <a:spLocks noGrp="1"/>
+          </p:cNvSpPr>
+          <p:nvPr>
+            <p:ph type="body" idx="1"/>
+          </p:nvPr>
+        </p:nvSpPr>
+        <p:spPr/>
+        <p:txBody>
+          <a:bodyPr/>
+          <a:lstStyle/>
+          <a:p>
+            <a:endParaRPr lang="en-US" dirty="0"/>
+          </a:p>
+        </p:txBody>
+      </p:sp>
+      <p:sp>
+        <p:nvSpPr>
+          <p:cNvPr id="4" name="Slide Number Placeholder 3"/>
+          <p:cNvSpPr>
+            <a:spLocks noGrp="1"/>
+          </p:cNvSpPr>
+          <p:nvPr>
+            <p:ph type="sldNum" sz="quarter" idx="5"/>
+          </p:nvPr>
+        </p:nvSpPr>
+        <p:spPr/>
+        <p:txBody>
+          <a:bodyPr/>
+          <a:lstStyle/>
+          <a:p>
+            <a:fld id="{103D3F82-566A-6B45-B3F8-F4D88BD077DC}" type="slidenum">
+              <a:rPr lang="en-US" smtClean="0"/>
+              <a:t>15</a:t>
+            </a:fld>
+            <a:endParaRPr lang="en-US"/>
+          </a:p>
+        </p:txBody>
+      </p:sp>
+    </p:spTree>
+    <p:extLst>
+      <p:ext uri="{BB962C8B-B14F-4D97-AF65-F5344CB8AC3E}">
+        <p14:creationId xmlns:p14="http://schemas.microsoft.com/office/powerpoint/2010/main" val="4257780935"/>
+      </p:ext>
+    </p:extLst>
+  </p:cSld>
+  <p:clrMapOvr>
+    <a:masterClrMapping/>
+  </p:clrMapOvr>
+</p:notes>
+</file>
+
+<file path=ppt/notesSlides/notesSlide11.xml><?xml version="1.0" encoding="utf-8"?>
+<p:notes xmlns:a="http://schemas.openxmlformats.org/drawingml/2006/main" xmlns:r="http://schemas.openxmlformats.org/officeDocument/2006/relationships" xmlns:p="http://schemas.openxmlformats.org/presentationml/2006/main">
+  <p:cSld>
+    <p:spTree>
+      <p:nvGrpSpPr>
+        <p:cNvPr id="1" name=""/>
+        <p:cNvGrpSpPr/>
+        <p:nvPr/>
+      </p:nvGrpSpPr>
+      <p:grpSpPr>
+        <a:xfrm>
+          <a:off x="0" y="0"/>
+          <a:ext cx="0" cy="0"/>
+          <a:chOff x="0" y="0"/>
+          <a:chExt cx="0" cy="0"/>
+        </a:xfrm>
+      </p:grpSpPr>
+      <p:sp>
+        <p:nvSpPr>
+          <p:cNvPr id="2" name="Slide Image Placeholder 1"/>
+          <p:cNvSpPr>
+            <a:spLocks noGrp="1" noRot="1" noChangeAspect="1"/>
+          </p:cNvSpPr>
+          <p:nvPr>
+            <p:ph type="sldImg"/>
+          </p:nvPr>
+        </p:nvSpPr>
+        <p:spPr/>
+      </p:sp>
+      <p:sp>
+        <p:nvSpPr>
+          <p:cNvPr id="3" name="Notes Placeholder 2"/>
+          <p:cNvSpPr>
+            <a:spLocks noGrp="1"/>
+          </p:cNvSpPr>
+          <p:nvPr>
+            <p:ph type="body" idx="1"/>
+          </p:nvPr>
+        </p:nvSpPr>
+        <p:spPr/>
+        <p:txBody>
+          <a:bodyPr/>
+          <a:lstStyle/>
+          <a:p>
+            <a:endParaRPr lang="en-US" dirty="0"/>
+          </a:p>
+        </p:txBody>
+      </p:sp>
+      <p:sp>
+        <p:nvSpPr>
+          <p:cNvPr id="4" name="Slide Number Placeholder 3"/>
+          <p:cNvSpPr>
+            <a:spLocks noGrp="1"/>
+          </p:cNvSpPr>
+          <p:nvPr>
+            <p:ph type="sldNum" sz="quarter" idx="5"/>
+          </p:nvPr>
+        </p:nvSpPr>
+        <p:spPr/>
+        <p:txBody>
+          <a:bodyPr/>
+          <a:lstStyle/>
+          <a:p>
+            <a:fld id="{103D3F82-566A-6B45-B3F8-F4D88BD077DC}" type="slidenum">
+              <a:rPr lang="en-US" smtClean="0"/>
+              <a:t>17</a:t>
+            </a:fld>
+            <a:endParaRPr lang="en-US"/>
+          </a:p>
+        </p:txBody>
+      </p:sp>
+    </p:spTree>
+    <p:extLst>
+      <p:ext uri="{BB962C8B-B14F-4D97-AF65-F5344CB8AC3E}">
+        <p14:creationId xmlns:p14="http://schemas.microsoft.com/office/powerpoint/2010/main" val="1484243724"/>
+      </p:ext>
+    </p:extLst>
+  </p:cSld>
+  <p:clrMapOvr>
+    <a:masterClrMapping/>
+  </p:clrMapOvr>
+</p:notes>
+</file>
+
+<file path=ppt/notesSlides/notesSlide12.xml><?xml version="1.0" encoding="utf-8"?>
+<p:notes xmlns:a="http://schemas.openxmlformats.org/drawingml/2006/main" xmlns:r="http://schemas.openxmlformats.org/officeDocument/2006/relationships" xmlns:p="http://schemas.openxmlformats.org/presentationml/2006/main">
+  <p:cSld>
+    <p:spTree>
+      <p:nvGrpSpPr>
+        <p:cNvPr id="1" name=""/>
+        <p:cNvGrpSpPr/>
+        <p:nvPr/>
+      </p:nvGrpSpPr>
+      <p:grpSpPr>
+        <a:xfrm>
+          <a:off x="0" y="0"/>
+          <a:ext cx="0" cy="0"/>
+          <a:chOff x="0" y="0"/>
+          <a:chExt cx="0" cy="0"/>
+        </a:xfrm>
+      </p:grpSpPr>
+      <p:sp>
+        <p:nvSpPr>
+          <p:cNvPr id="2" name="Slide Image Placeholder 1"/>
+          <p:cNvSpPr>
+            <a:spLocks noGrp="1" noRot="1" noChangeAspect="1"/>
+          </p:cNvSpPr>
+          <p:nvPr>
+            <p:ph type="sldImg"/>
+          </p:nvPr>
+        </p:nvSpPr>
+        <p:spPr/>
+      </p:sp>
+      <p:sp>
+        <p:nvSpPr>
+          <p:cNvPr id="3" name="Notes Placeholder 2"/>
+          <p:cNvSpPr>
+            <a:spLocks noGrp="1"/>
+          </p:cNvSpPr>
+          <p:nvPr>
+            <p:ph type="body" idx="1"/>
+          </p:nvPr>
+        </p:nvSpPr>
+        <p:spPr/>
+        <p:txBody>
+          <a:bodyPr/>
+          <a:lstStyle/>
+          <a:p>
+            <a:endParaRPr lang="en-US" dirty="0"/>
+          </a:p>
+        </p:txBody>
+      </p:sp>
+      <p:sp>
+        <p:nvSpPr>
+          <p:cNvPr id="4" name="Slide Number Placeholder 3"/>
+          <p:cNvSpPr>
+            <a:spLocks noGrp="1"/>
+          </p:cNvSpPr>
+          <p:nvPr>
+            <p:ph type="sldNum" sz="quarter" idx="5"/>
+          </p:nvPr>
+        </p:nvSpPr>
+        <p:spPr/>
+        <p:txBody>
+          <a:bodyPr/>
+          <a:lstStyle/>
+          <a:p>
+            <a:fld id="{103D3F82-566A-6B45-B3F8-F4D88BD077DC}" type="slidenum">
+              <a:rPr lang="en-US" smtClean="0"/>
+              <a:t>19</a:t>
+            </a:fld>
+            <a:endParaRPr lang="en-US"/>
+          </a:p>
+        </p:txBody>
+      </p:sp>
+    </p:spTree>
+    <p:extLst>
+      <p:ext uri="{BB962C8B-B14F-4D97-AF65-F5344CB8AC3E}">
+        <p14:creationId xmlns:p14="http://schemas.microsoft.com/office/powerpoint/2010/main" val="1341734787"/>
+      </p:ext>
+    </p:extLst>
+  </p:cSld>
+  <p:clrMapOvr>
+    <a:masterClrMapping/>
+  </p:clrMapOvr>
+</p:notes>
+</file>
+
+<file path=ppt/notesSlides/notesSlide13.xml><?xml version="1.0" encoding="utf-8"?>
+<p:notes xmlns:a="http://schemas.openxmlformats.org/drawingml/2006/main" xmlns:r="http://schemas.openxmlformats.org/officeDocument/2006/relationships" xmlns:p="http://schemas.openxmlformats.org/presentationml/2006/main">
+  <p:cSld>
+    <p:spTree>
+      <p:nvGrpSpPr>
+        <p:cNvPr id="1" name=""/>
+        <p:cNvGrpSpPr/>
+        <p:nvPr/>
+      </p:nvGrpSpPr>
+      <p:grpSpPr>
+        <a:xfrm>
+          <a:off x="0" y="0"/>
+          <a:ext cx="0" cy="0"/>
+          <a:chOff x="0" y="0"/>
+          <a:chExt cx="0" cy="0"/>
+        </a:xfrm>
+      </p:grpSpPr>
+      <p:sp>
+        <p:nvSpPr>
+          <p:cNvPr id="2" name="Slide Image Placeholder 1"/>
+          <p:cNvSpPr>
+            <a:spLocks noGrp="1" noRot="1" noChangeAspect="1"/>
+          </p:cNvSpPr>
+          <p:nvPr>
+            <p:ph type="sldImg"/>
+          </p:nvPr>
+        </p:nvSpPr>
+        <p:spPr/>
+      </p:sp>
+      <p:sp>
+        <p:nvSpPr>
+          <p:cNvPr id="3" name="Notes Placeholder 2"/>
+          <p:cNvSpPr>
+            <a:spLocks noGrp="1"/>
+          </p:cNvSpPr>
+          <p:nvPr>
+            <p:ph type="body" idx="1"/>
+          </p:nvPr>
+        </p:nvSpPr>
+        <p:spPr/>
+        <p:txBody>
+          <a:bodyPr/>
+          <a:lstStyle/>
+          <a:p>
+            <a:endParaRPr lang="en-US" dirty="0"/>
+          </a:p>
+        </p:txBody>
+      </p:sp>
+      <p:sp>
+        <p:nvSpPr>
+          <p:cNvPr id="4" name="Slide Number Placeholder 3"/>
+          <p:cNvSpPr>
+            <a:spLocks noGrp="1"/>
+          </p:cNvSpPr>
+          <p:nvPr>
+            <p:ph type="sldNum" sz="quarter" idx="5"/>
+          </p:nvPr>
+        </p:nvSpPr>
+        <p:spPr/>
+        <p:txBody>
+          <a:bodyPr/>
+          <a:lstStyle/>
+          <a:p>
+            <a:fld id="{103D3F82-566A-6B45-B3F8-F4D88BD077DC}" type="slidenum">
+              <a:rPr lang="en-US" smtClean="0"/>
+              <a:t>21</a:t>
+            </a:fld>
+            <a:endParaRPr lang="en-US"/>
+          </a:p>
+        </p:txBody>
+      </p:sp>
+    </p:spTree>
+    <p:extLst>
+      <p:ext uri="{BB962C8B-B14F-4D97-AF65-F5344CB8AC3E}">
+        <p14:creationId xmlns:p14="http://schemas.microsoft.com/office/powerpoint/2010/main" val="926611856"/>
+      </p:ext>
+    </p:extLst>
+  </p:cSld>
+  <p:clrMapOvr>
+    <a:masterClrMapping/>
+  </p:clrMapOvr>
+</p:notes>
+</file>
+
+<file path=ppt/notesSlides/notesSlide14.xml><?xml version="1.0" encoding="utf-8"?>
+<p:notes xmlns:a="http://schemas.openxmlformats.org/drawingml/2006/main" xmlns:r="http://schemas.openxmlformats.org/officeDocument/2006/relationships" xmlns:p="http://schemas.openxmlformats.org/presentationml/2006/main">
+  <p:cSld>
+    <p:spTree>
+      <p:nvGrpSpPr>
+        <p:cNvPr id="1" name=""/>
+        <p:cNvGrpSpPr/>
+        <p:nvPr/>
+      </p:nvGrpSpPr>
+      <p:grpSpPr>
+        <a:xfrm>
+          <a:off x="0" y="0"/>
+          <a:ext cx="0" cy="0"/>
+          <a:chOff x="0" y="0"/>
+          <a:chExt cx="0" cy="0"/>
+        </a:xfrm>
+      </p:grpSpPr>
+      <p:sp>
+        <p:nvSpPr>
+          <p:cNvPr id="2" name="Slide Image Placeholder 1"/>
+          <p:cNvSpPr>
+            <a:spLocks noGrp="1" noRot="1" noChangeAspect="1"/>
+          </p:cNvSpPr>
+          <p:nvPr>
+            <p:ph type="sldImg"/>
+          </p:nvPr>
+        </p:nvSpPr>
+        <p:spPr/>
+      </p:sp>
+      <p:sp>
+        <p:nvSpPr>
+          <p:cNvPr id="3" name="Notes Placeholder 2"/>
+          <p:cNvSpPr>
+            <a:spLocks noGrp="1"/>
+          </p:cNvSpPr>
+          <p:nvPr>
+            <p:ph type="body" idx="1"/>
+          </p:nvPr>
+        </p:nvSpPr>
+        <p:spPr/>
+        <p:txBody>
+          <a:bodyPr/>
+          <a:lstStyle/>
+          <a:p>
+            <a:endParaRPr lang="en-US" dirty="0"/>
+          </a:p>
+        </p:txBody>
+      </p:sp>
+      <p:sp>
+        <p:nvSpPr>
+          <p:cNvPr id="4" name="Slide Number Placeholder 3"/>
+          <p:cNvSpPr>
+            <a:spLocks noGrp="1"/>
+          </p:cNvSpPr>
+          <p:nvPr>
+            <p:ph type="sldNum" sz="quarter" idx="5"/>
+          </p:nvPr>
+        </p:nvSpPr>
+        <p:spPr/>
+        <p:txBody>
+          <a:bodyPr/>
+          <a:lstStyle/>
+          <a:p>
+            <a:fld id="{103D3F82-566A-6B45-B3F8-F4D88BD077DC}" type="slidenum">
+              <a:rPr lang="en-US" smtClean="0"/>
+              <a:t>23</a:t>
+            </a:fld>
+            <a:endParaRPr lang="en-US"/>
+          </a:p>
+        </p:txBody>
+      </p:sp>
+    </p:spTree>
+    <p:extLst>
+      <p:ext uri="{BB962C8B-B14F-4D97-AF65-F5344CB8AC3E}">
+        <p14:creationId xmlns:p14="http://schemas.microsoft.com/office/powerpoint/2010/main" val="1076227213"/>
+      </p:ext>
+    </p:extLst>
+  </p:cSld>
+  <p:clrMapOvr>
+    <a:masterClrMapping/>
+  </p:clrMapOvr>
+</p:notes>
+</file>
+
 <file path=ppt/notesSlides/notesSlide2.xml><?xml version="1.0" encoding="utf-8"?>
 <p:notes xmlns:a="http://schemas.openxmlformats.org/drawingml/2006/main" xmlns:r="http://schemas.openxmlformats.org/officeDocument/2006/relationships" xmlns:p="http://schemas.openxmlformats.org/presentationml/2006/main">
   <p:cSld>
@@ -708,7 +1136,10 @@
           <a:bodyPr/>
           <a:lstStyle/>
           <a:p>
-            <a:endParaRPr lang="en-US" dirty="0"/>
+            <a:r>
+              <a:rPr lang="en-US" dirty="0"/>
+              <a:t>Slide for reference while developing only</a:t>
+            </a:r>
           </a:p>
         </p:txBody>
       </p:sp>
@@ -738,7 +1169,7 @@
     </p:spTree>
     <p:extLst>
       <p:ext uri="{BB962C8B-B14F-4D97-AF65-F5344CB8AC3E}">
-        <p14:creationId xmlns:p14="http://schemas.microsoft.com/office/powerpoint/2010/main" val="1693657104"/>
+        <p14:creationId xmlns:p14="http://schemas.microsoft.com/office/powerpoint/2010/main" val="1738813574"/>
       </p:ext>
     </p:extLst>
   </p:cSld>
@@ -822,7 +1253,7 @@
     </p:spTree>
     <p:extLst>
       <p:ext uri="{BB962C8B-B14F-4D97-AF65-F5344CB8AC3E}">
-        <p14:creationId xmlns:p14="http://schemas.microsoft.com/office/powerpoint/2010/main" val="1297219868"/>
+        <p14:creationId xmlns:p14="http://schemas.microsoft.com/office/powerpoint/2010/main" val="2358475161"/>
       </p:ext>
     </p:extLst>
   </p:cSld>
@@ -876,14 +1307,6 @@
           <a:bodyPr/>
           <a:lstStyle/>
           <a:p>
-            <a:r>
-              <a:rPr lang="en-US" dirty="0"/>
-              <a:t>In </a:t>
-            </a:r>
-            <a:r>
-              <a:rPr lang="en-US" dirty="0" err="1"/>
-              <a:t>R^n</a:t>
-            </a:r>
             <a:endParaRPr lang="en-US" dirty="0"/>
           </a:p>
         </p:txBody>
@@ -914,7 +1337,7 @@
     </p:spTree>
     <p:extLst>
       <p:ext uri="{BB962C8B-B14F-4D97-AF65-F5344CB8AC3E}">
-        <p14:creationId xmlns:p14="http://schemas.microsoft.com/office/powerpoint/2010/main" val="2622020979"/>
+        <p14:creationId xmlns:p14="http://schemas.microsoft.com/office/powerpoint/2010/main" val="1693657104"/>
       </p:ext>
     </p:extLst>
   </p:cSld>
@@ -968,10 +1391,7 @@
           <a:bodyPr/>
           <a:lstStyle/>
           <a:p>
-            <a:r>
-              <a:rPr lang="en-US" dirty="0"/>
-              <a:t>Slide for reference while developing only</a:t>
-            </a:r>
+            <a:endParaRPr lang="en-US" dirty="0"/>
           </a:p>
         </p:txBody>
       </p:sp>
@@ -1001,7 +1421,7 @@
     </p:spTree>
     <p:extLst>
       <p:ext uri="{BB962C8B-B14F-4D97-AF65-F5344CB8AC3E}">
-        <p14:creationId xmlns:p14="http://schemas.microsoft.com/office/powerpoint/2010/main" val="1738813574"/>
+        <p14:creationId xmlns:p14="http://schemas.microsoft.com/office/powerpoint/2010/main" val="1297219868"/>
       </p:ext>
     </p:extLst>
   </p:cSld>
@@ -1057,16 +1477,13 @@
           <a:p>
             <a:r>
               <a:rPr lang="en-US" dirty="0"/>
-              <a:t>Choices for input invariance: Sort list (doesn’t scale and bad with </a:t>
+              <a:t>In </a:t>
             </a:r>
             <a:r>
               <a:rPr lang="en-US" dirty="0" err="1"/>
-              <a:t>pertubations</a:t>
-            </a:r>
-            <a:r>
-              <a:rPr lang="en-US" dirty="0"/>
-              <a:t>), Use RNN (doesn’t scale)</a:t>
-            </a:r>
+              <a:t>R^n</a:t>
+            </a:r>
+            <a:endParaRPr lang="en-US" dirty="0"/>
           </a:p>
         </p:txBody>
       </p:sp>
@@ -1087,7 +1504,7 @@
           <a:p>
             <a:fld id="{103D3F82-566A-6B45-B3F8-F4D88BD077DC}" type="slidenum">
               <a:rPr lang="en-US" smtClean="0"/>
-              <a:t>8</a:t>
+              <a:t>6</a:t>
             </a:fld>
             <a:endParaRPr lang="en-US"/>
           </a:p>
@@ -1096,7 +1513,7 @@
     </p:spTree>
     <p:extLst>
       <p:ext uri="{BB962C8B-B14F-4D97-AF65-F5344CB8AC3E}">
-        <p14:creationId xmlns:p14="http://schemas.microsoft.com/office/powerpoint/2010/main" val="3703803557"/>
+        <p14:creationId xmlns:p14="http://schemas.microsoft.com/office/powerpoint/2010/main" val="2622020979"/>
       </p:ext>
     </p:extLst>
   </p:cSld>
@@ -1150,6 +1567,185 @@
           <a:bodyPr/>
           <a:lstStyle/>
           <a:p>
+            <a:endParaRPr lang="en-US" dirty="0"/>
+          </a:p>
+        </p:txBody>
+      </p:sp>
+      <p:sp>
+        <p:nvSpPr>
+          <p:cNvPr id="4" name="Slide Number Placeholder 3"/>
+          <p:cNvSpPr>
+            <a:spLocks noGrp="1"/>
+          </p:cNvSpPr>
+          <p:nvPr>
+            <p:ph type="sldNum" sz="quarter" idx="5"/>
+          </p:nvPr>
+        </p:nvSpPr>
+        <p:spPr/>
+        <p:txBody>
+          <a:bodyPr/>
+          <a:lstStyle/>
+          <a:p>
+            <a:fld id="{103D3F82-566A-6B45-B3F8-F4D88BD077DC}" type="slidenum">
+              <a:rPr lang="en-US" smtClean="0"/>
+              <a:t>7</a:t>
+            </a:fld>
+            <a:endParaRPr lang="en-US"/>
+          </a:p>
+        </p:txBody>
+      </p:sp>
+    </p:spTree>
+    <p:extLst>
+      <p:ext uri="{BB962C8B-B14F-4D97-AF65-F5344CB8AC3E}">
+        <p14:creationId xmlns:p14="http://schemas.microsoft.com/office/powerpoint/2010/main" val="593972069"/>
+      </p:ext>
+    </p:extLst>
+  </p:cSld>
+  <p:clrMapOvr>
+    <a:masterClrMapping/>
+  </p:clrMapOvr>
+</p:notes>
+</file>
+
+<file path=ppt/notesSlides/notesSlide8.xml><?xml version="1.0" encoding="utf-8"?>
+<p:notes xmlns:a="http://schemas.openxmlformats.org/drawingml/2006/main" xmlns:r="http://schemas.openxmlformats.org/officeDocument/2006/relationships" xmlns:p="http://schemas.openxmlformats.org/presentationml/2006/main">
+  <p:cSld>
+    <p:spTree>
+      <p:nvGrpSpPr>
+        <p:cNvPr id="1" name=""/>
+        <p:cNvGrpSpPr/>
+        <p:nvPr/>
+      </p:nvGrpSpPr>
+      <p:grpSpPr>
+        <a:xfrm>
+          <a:off x="0" y="0"/>
+          <a:ext cx="0" cy="0"/>
+          <a:chOff x="0" y="0"/>
+          <a:chExt cx="0" cy="0"/>
+        </a:xfrm>
+      </p:grpSpPr>
+      <p:sp>
+        <p:nvSpPr>
+          <p:cNvPr id="2" name="Slide Image Placeholder 1"/>
+          <p:cNvSpPr>
+            <a:spLocks noGrp="1" noRot="1" noChangeAspect="1"/>
+          </p:cNvSpPr>
+          <p:nvPr>
+            <p:ph type="sldImg"/>
+          </p:nvPr>
+        </p:nvSpPr>
+        <p:spPr/>
+      </p:sp>
+      <p:sp>
+        <p:nvSpPr>
+          <p:cNvPr id="3" name="Notes Placeholder 2"/>
+          <p:cNvSpPr>
+            <a:spLocks noGrp="1"/>
+          </p:cNvSpPr>
+          <p:nvPr>
+            <p:ph type="body" idx="1"/>
+          </p:nvPr>
+        </p:nvSpPr>
+        <p:spPr/>
+        <p:txBody>
+          <a:bodyPr/>
+          <a:lstStyle/>
+          <a:p>
+            <a:r>
+              <a:rPr lang="en-US" dirty="0"/>
+              <a:t>Choices for input invariance: Sort list (doesn’t scale and bad with </a:t>
+            </a:r>
+            <a:r>
+              <a:rPr lang="en-US" dirty="0" err="1"/>
+              <a:t>pertubations</a:t>
+            </a:r>
+            <a:r>
+              <a:rPr lang="en-US" dirty="0"/>
+              <a:t>), Use RNN (doesn’t scale)</a:t>
+            </a:r>
+          </a:p>
+        </p:txBody>
+      </p:sp>
+      <p:sp>
+        <p:nvSpPr>
+          <p:cNvPr id="4" name="Slide Number Placeholder 3"/>
+          <p:cNvSpPr>
+            <a:spLocks noGrp="1"/>
+          </p:cNvSpPr>
+          <p:nvPr>
+            <p:ph type="sldNum" sz="quarter" idx="5"/>
+          </p:nvPr>
+        </p:nvSpPr>
+        <p:spPr/>
+        <p:txBody>
+          <a:bodyPr/>
+          <a:lstStyle/>
+          <a:p>
+            <a:fld id="{103D3F82-566A-6B45-B3F8-F4D88BD077DC}" type="slidenum">
+              <a:rPr lang="en-US" smtClean="0"/>
+              <a:t>12</a:t>
+            </a:fld>
+            <a:endParaRPr lang="en-US"/>
+          </a:p>
+        </p:txBody>
+      </p:sp>
+    </p:spTree>
+    <p:extLst>
+      <p:ext uri="{BB962C8B-B14F-4D97-AF65-F5344CB8AC3E}">
+        <p14:creationId xmlns:p14="http://schemas.microsoft.com/office/powerpoint/2010/main" val="3703803557"/>
+      </p:ext>
+    </p:extLst>
+  </p:cSld>
+  <p:clrMapOvr>
+    <a:masterClrMapping/>
+  </p:clrMapOvr>
+</p:notes>
+</file>
+
+<file path=ppt/notesSlides/notesSlide9.xml><?xml version="1.0" encoding="utf-8"?>
+<p:notes xmlns:a="http://schemas.openxmlformats.org/drawingml/2006/main" xmlns:r="http://schemas.openxmlformats.org/officeDocument/2006/relationships" xmlns:p="http://schemas.openxmlformats.org/presentationml/2006/main">
+  <p:cSld>
+    <p:spTree>
+      <p:nvGrpSpPr>
+        <p:cNvPr id="1" name=""/>
+        <p:cNvGrpSpPr/>
+        <p:nvPr/>
+      </p:nvGrpSpPr>
+      <p:grpSpPr>
+        <a:xfrm>
+          <a:off x="0" y="0"/>
+          <a:ext cx="0" cy="0"/>
+          <a:chOff x="0" y="0"/>
+          <a:chExt cx="0" cy="0"/>
+        </a:xfrm>
+      </p:grpSpPr>
+      <p:sp>
+        <p:nvSpPr>
+          <p:cNvPr id="2" name="Slide Image Placeholder 1"/>
+          <p:cNvSpPr>
+            <a:spLocks noGrp="1" noRot="1" noChangeAspect="1"/>
+          </p:cNvSpPr>
+          <p:nvPr>
+            <p:ph type="sldImg"/>
+          </p:nvPr>
+        </p:nvSpPr>
+        <p:spPr/>
+      </p:sp>
+      <p:sp>
+        <p:nvSpPr>
+          <p:cNvPr id="3" name="Notes Placeholder 2"/>
+          <p:cNvSpPr>
+            <a:spLocks noGrp="1"/>
+          </p:cNvSpPr>
+          <p:nvPr>
+            <p:ph type="body" idx="1"/>
+          </p:nvPr>
+        </p:nvSpPr>
+        <p:spPr/>
+        <p:txBody>
+          <a:bodyPr/>
+          <a:lstStyle/>
+          <a:p>
             <a:r>
               <a:rPr lang="en-US" sz="1200" b="0" i="0" u="none" strike="noStrike" kern="1200" dirty="0">
                 <a:solidFill>
@@ -1219,7 +1815,7 @@
           <a:p>
             <a:fld id="{103D3F82-566A-6B45-B3F8-F4D88BD077DC}" type="slidenum">
               <a:rPr lang="en-US" smtClean="0"/>
-              <a:t>10</a:t>
+              <a:t>14</a:t>
             </a:fld>
             <a:endParaRPr lang="en-US"/>
           </a:p>
@@ -1283,14 +1879,14 @@
           </a:ln>
           <a:extLst>
             <a:ext uri="{909E8E84-426E-40dd-AFC4-6F175D3DCCD1}">
-              <a14:hiddenFill xmlns="" xmlns:a14="http://schemas.microsoft.com/office/drawing/2010/main">
+              <a14:hiddenFill xmlns:a14="http://schemas.microsoft.com/office/drawing/2010/main" xmlns="">
                 <a:solidFill>
                   <a:srgbClr val="FFFFFF"/>
                 </a:solidFill>
               </a14:hiddenFill>
             </a:ext>
             <a:ext uri="{91240B29-F687-4f45-9708-019B960494DF}">
-              <a14:hiddenLine xmlns="" xmlns:a14="http://schemas.microsoft.com/office/drawing/2010/main" w="9525">
+              <a14:hiddenLine xmlns:a14="http://schemas.microsoft.com/office/drawing/2010/main" xmlns="" w="9525">
                 <a:solidFill>
                   <a:srgbClr val="000000"/>
                 </a:solidFill>
@@ -1508,14 +2104,14 @@
           </a:ln>
           <a:extLst>
             <a:ext uri="{909E8E84-426E-40dd-AFC4-6F175D3DCCD1}">
-              <a14:hiddenFill xmlns="" xmlns:a14="http://schemas.microsoft.com/office/drawing/2010/main">
+              <a14:hiddenFill xmlns:a14="http://schemas.microsoft.com/office/drawing/2010/main" xmlns="">
                 <a:solidFill>
                   <a:srgbClr val="FFFFFF"/>
                 </a:solidFill>
               </a14:hiddenFill>
             </a:ext>
             <a:ext uri="{91240B29-F687-4f45-9708-019B960494DF}">
-              <a14:hiddenLine xmlns="" xmlns:a14="http://schemas.microsoft.com/office/drawing/2010/main" w="9525">
+              <a14:hiddenLine xmlns:a14="http://schemas.microsoft.com/office/drawing/2010/main" xmlns="" w="9525">
                 <a:solidFill>
                   <a:srgbClr val="000000"/>
                 </a:solidFill>
@@ -5076,7 +5672,7 @@
           <p:cNvPr id="2" name="Content Placeholder 1">
             <a:extLst>
               <a:ext uri="{FF2B5EF4-FFF2-40B4-BE49-F238E27FC236}">
-                <a16:creationId xmlns:a16="http://schemas.microsoft.com/office/drawing/2014/main" id="{29B15DEB-18A4-4F4D-9A65-E47EF883A455}"/>
+                <a16:creationId xmlns:a16="http://schemas.microsoft.com/office/drawing/2014/main" id="{3E75831E-1C6B-3542-A8E6-38E9FF024F86}"/>
               </a:ext>
             </a:extLst>
           </p:cNvPr>
@@ -5094,60 +5690,8 @@
           <a:p>
             <a:r>
               <a:rPr lang="en-US" sz="2400" dirty="0"/>
-              <a:t>Stanford </a:t>
-            </a:r>
-            <a:r>
-              <a:rPr lang="en-US" sz="2400" dirty="0" err="1"/>
-              <a:t>ShapeNet</a:t>
-            </a:r>
-            <a:r>
-              <a:rPr lang="en-US" sz="2400" dirty="0"/>
-              <a:t>: Reconstruction and </a:t>
-            </a:r>
-            <a:r>
-              <a:rPr lang="en-US" sz="2400"/>
-              <a:t>Sementation</a:t>
-            </a:r>
-            <a:endParaRPr lang="en-US" sz="2400" dirty="0"/>
-          </a:p>
-          <a:p>
-            <a:pPr lvl="1"/>
-            <a:r>
-              <a:rPr lang="en-US" sz="2000" dirty="0"/>
-              <a:t>17,000 models from 16 shape categories</a:t>
-            </a:r>
-          </a:p>
-          <a:p>
-            <a:pPr lvl="1"/>
-            <a:r>
-              <a:rPr lang="en-US" sz="2000" dirty="0"/>
-              <a:t>Each category has 2 to 6 parts with 50 different parts annotated in total.</a:t>
-            </a:r>
-          </a:p>
-          <a:p>
-            <a:pPr lvl="1"/>
-            <a:r>
-              <a:rPr lang="en-US" sz="2000" dirty="0"/>
-              <a:t>Point Cloud shapes generated from uniformly sampled 3D surfaces.</a:t>
-            </a:r>
-          </a:p>
-          <a:p>
-            <a:pPr lvl="1"/>
-            <a:r>
-              <a:rPr lang="en-US" sz="2000" dirty="0"/>
-              <a:t>Shapes: Airplane, Bag, Cap, Chair, Earphone, Guitar, Knife, Lamp, Laptop, Motorbike, Mug, Pistol, Rocket, Skateboard, Table</a:t>
-            </a:r>
-          </a:p>
-          <a:p>
-            <a:r>
-              <a:rPr lang="en-US" sz="2400" dirty="0"/>
-              <a:t>Princeton </a:t>
-            </a:r>
-            <a:r>
-              <a:rPr lang="en-US" sz="2400" dirty="0" err="1"/>
-              <a:t>ModelNet</a:t>
-            </a:r>
-            <a:endParaRPr lang="en-US" sz="2400" dirty="0"/>
+              <a:t>Details on Feature Transform</a:t>
+            </a:r>
           </a:p>
         </p:txBody>
       </p:sp>
@@ -5156,7 +5700,7 @@
           <p:cNvPr id="3" name="Title 2">
             <a:extLst>
               <a:ext uri="{FF2B5EF4-FFF2-40B4-BE49-F238E27FC236}">
-                <a16:creationId xmlns:a16="http://schemas.microsoft.com/office/drawing/2014/main" id="{4713BE45-F1C0-2B44-AA23-C74405770690}"/>
+                <a16:creationId xmlns:a16="http://schemas.microsoft.com/office/drawing/2014/main" id="{A292247C-C23C-464A-91BD-372A608AE8EF}"/>
               </a:ext>
             </a:extLst>
           </p:cNvPr>
@@ -5174,15 +5718,45 @@
           <a:p>
             <a:r>
               <a:rPr lang="en-US" dirty="0"/>
-              <a:t>Our Dataset</a:t>
-            </a:r>
-          </a:p>
-        </p:txBody>
-      </p:sp>
+              <a:t>Implementation: Feature Transform</a:t>
+            </a:r>
+          </a:p>
+        </p:txBody>
+      </p:sp>
+      <p:pic>
+        <p:nvPicPr>
+          <p:cNvPr id="4" name="Picture 3">
+            <a:extLst>
+              <a:ext uri="{FF2B5EF4-FFF2-40B4-BE49-F238E27FC236}">
+                <a16:creationId xmlns:a16="http://schemas.microsoft.com/office/drawing/2014/main" id="{8AEE03CE-0CB4-504E-8D76-3F1772F19DEA}"/>
+              </a:ext>
+            </a:extLst>
+          </p:cNvPr>
+          <p:cNvPicPr>
+            <a:picLocks noChangeAspect="1"/>
+          </p:cNvPicPr>
+          <p:nvPr/>
+        </p:nvPicPr>
+        <p:blipFill>
+          <a:blip r:embed="rId2"/>
+          <a:stretch>
+            <a:fillRect/>
+          </a:stretch>
+        </p:blipFill>
+        <p:spPr>
+          <a:xfrm>
+            <a:off x="457200" y="3083421"/>
+            <a:ext cx="8231997" cy="3047999"/>
+          </a:xfrm>
+          <a:prstGeom prst="rect">
+            <a:avLst/>
+          </a:prstGeom>
+        </p:spPr>
+      </p:pic>
     </p:spTree>
     <p:extLst>
       <p:ext uri="{BB962C8B-B14F-4D97-AF65-F5344CB8AC3E}">
-        <p14:creationId xmlns:p14="http://schemas.microsoft.com/office/powerpoint/2010/main" val="1375463578"/>
+        <p14:creationId xmlns:p14="http://schemas.microsoft.com/office/powerpoint/2010/main" val="2823798309"/>
       </p:ext>
     </p:extLst>
   </p:cSld>
@@ -5214,7 +5788,7 @@
           <p:cNvPr id="2" name="Content Placeholder 1">
             <a:extLst>
               <a:ext uri="{FF2B5EF4-FFF2-40B4-BE49-F238E27FC236}">
-                <a16:creationId xmlns:a16="http://schemas.microsoft.com/office/drawing/2014/main" id="{3E75831E-1C6B-3542-A8E6-38E9FF024F86}"/>
+                <a16:creationId xmlns:a16="http://schemas.microsoft.com/office/drawing/2014/main" id="{0FC0B968-16D7-774F-BDA9-798854ADA8D3}"/>
               </a:ext>
             </a:extLst>
           </p:cNvPr>
@@ -5232,20 +5806,25 @@
           <a:p>
             <a:r>
               <a:rPr lang="en-US" sz="2400" dirty="0"/>
-              <a:t>Accuracy compared to baseline</a:t>
+              <a:t>Network learns set of optimization functions/criteria that select interesting or informative points of the point cloud and encode the reason for their selection</a:t>
             </a:r>
           </a:p>
           <a:p>
             <a:r>
               <a:rPr lang="en-US" sz="2400" dirty="0"/>
-              <a:t>Training times</a:t>
+              <a:t>Fully connected layers of the network aggregate learnt optimal values into the global descriptor for entire shape (shape classification) or are used to predict per point labels (shape segmentation)</a:t>
             </a:r>
           </a:p>
           <a:p>
             <a:r>
               <a:rPr lang="en-US" sz="2400" dirty="0"/>
-              <a:t>Picture of results and tables</a:t>
-            </a:r>
+              <a:t>Easy to add transformations as each point transforms </a:t>
+            </a:r>
+            <a:r>
+              <a:rPr lang="en-US" sz="2400" dirty="0" err="1"/>
+              <a:t>independentluy</a:t>
+            </a:r>
+            <a:endParaRPr lang="en-US" sz="2400" dirty="0"/>
           </a:p>
         </p:txBody>
       </p:sp>
@@ -5254,7 +5833,7 @@
           <p:cNvPr id="3" name="Title 2">
             <a:extLst>
               <a:ext uri="{FF2B5EF4-FFF2-40B4-BE49-F238E27FC236}">
-                <a16:creationId xmlns:a16="http://schemas.microsoft.com/office/drawing/2014/main" id="{A292247C-C23C-464A-91BD-372A608AE8EF}"/>
+                <a16:creationId xmlns:a16="http://schemas.microsoft.com/office/drawing/2014/main" id="{7DE2F2D3-E3A0-B946-80FE-7226BA04609F}"/>
               </a:ext>
             </a:extLst>
           </p:cNvPr>
@@ -5272,7 +5851,7 @@
           <a:p>
             <a:r>
               <a:rPr lang="en-US" dirty="0"/>
-              <a:t>Results</a:t>
+              <a:t>Implementation: Overview</a:t>
             </a:r>
           </a:p>
         </p:txBody>
@@ -5280,7 +5859,7 @@
     </p:spTree>
     <p:extLst>
       <p:ext uri="{BB962C8B-B14F-4D97-AF65-F5344CB8AC3E}">
-        <p14:creationId xmlns:p14="http://schemas.microsoft.com/office/powerpoint/2010/main" val="3406156963"/>
+        <p14:creationId xmlns:p14="http://schemas.microsoft.com/office/powerpoint/2010/main" val="4277456722"/>
       </p:ext>
     </p:extLst>
   </p:cSld>
@@ -5312,7 +5891,7 @@
           <p:cNvPr id="2" name="Content Placeholder 1">
             <a:extLst>
               <a:ext uri="{FF2B5EF4-FFF2-40B4-BE49-F238E27FC236}">
-                <a16:creationId xmlns:a16="http://schemas.microsoft.com/office/drawing/2014/main" id="{38565ABD-7C47-8845-8A91-83627BE1F103}"/>
+                <a16:creationId xmlns:a16="http://schemas.microsoft.com/office/drawing/2014/main" id="{CF109349-8E05-9E46-9BD3-FCDC65353B38}"/>
               </a:ext>
             </a:extLst>
           </p:cNvPr>
@@ -5329,10 +5908,49 @@
           <a:lstStyle/>
           <a:p>
             <a:r>
-              <a:rPr lang="en-US" sz="2400" dirty="0" err="1"/>
-              <a:t>asdf</a:t>
-            </a:r>
-            <a:endParaRPr lang="en-US" sz="2400" dirty="0"/>
+              <a:rPr lang="en-US" sz="2800" dirty="0"/>
+              <a:t>Symmetry Function for Unordered Input:</a:t>
+            </a:r>
+          </a:p>
+          <a:p>
+            <a:pPr lvl="1"/>
+            <a:r>
+              <a:rPr lang="en-US" sz="2400" dirty="0"/>
+              <a:t>For invariance to input permutation</a:t>
+            </a:r>
+          </a:p>
+          <a:p>
+            <a:pPr lvl="1"/>
+            <a:r>
+              <a:rPr lang="en-US" sz="2400" dirty="0"/>
+              <a:t>Aggregate each input into a vector that is invariant to input order by using + and * operators.</a:t>
+            </a:r>
+          </a:p>
+          <a:p>
+            <a:r>
+              <a:rPr lang="en-US" sz="2800" dirty="0"/>
+              <a:t>Local and Global Information Aggregation:</a:t>
+            </a:r>
+          </a:p>
+          <a:p>
+            <a:pPr lvl="1"/>
+            <a:r>
+              <a:rPr lang="en-US" sz="2400" dirty="0"/>
+              <a:t>Used for segmentation</a:t>
+            </a:r>
+          </a:p>
+          <a:p>
+            <a:r>
+              <a:rPr lang="en-US" sz="2800" dirty="0"/>
+              <a:t>Joint Alignment Network:</a:t>
+            </a:r>
+          </a:p>
+          <a:p>
+            <a:pPr lvl="1"/>
+            <a:r>
+              <a:rPr lang="en-US" sz="2400" dirty="0"/>
+              <a:t>Used for segmentation</a:t>
+            </a:r>
           </a:p>
         </p:txBody>
       </p:sp>
@@ -5341,7 +5959,7 @@
           <p:cNvPr id="3" name="Title 2">
             <a:extLst>
               <a:ext uri="{FF2B5EF4-FFF2-40B4-BE49-F238E27FC236}">
-                <a16:creationId xmlns:a16="http://schemas.microsoft.com/office/drawing/2014/main" id="{3FBCADA3-B0FF-FB4A-AE2B-06CE1F5F13E3}"/>
+                <a16:creationId xmlns:a16="http://schemas.microsoft.com/office/drawing/2014/main" id="{3A888197-5490-FF4F-957B-D2F2697C28AB}"/>
               </a:ext>
             </a:extLst>
           </p:cNvPr>
@@ -5359,7 +5977,7 @@
           <a:p>
             <a:r>
               <a:rPr lang="en-US" dirty="0"/>
-              <a:t>Differences and Improvements</a:t>
+              <a:t>Implementation: Overview</a:t>
             </a:r>
           </a:p>
         </p:txBody>
@@ -5367,7 +5985,7 @@
     </p:spTree>
     <p:extLst>
       <p:ext uri="{BB962C8B-B14F-4D97-AF65-F5344CB8AC3E}">
-        <p14:creationId xmlns:p14="http://schemas.microsoft.com/office/powerpoint/2010/main" val="4081342684"/>
+        <p14:creationId xmlns:p14="http://schemas.microsoft.com/office/powerpoint/2010/main" val="3935471687"/>
       </p:ext>
     </p:extLst>
   </p:cSld>
@@ -5399,7 +6017,7 @@
           <p:cNvPr id="2" name="Content Placeholder 1">
             <a:extLst>
               <a:ext uri="{FF2B5EF4-FFF2-40B4-BE49-F238E27FC236}">
-                <a16:creationId xmlns:a16="http://schemas.microsoft.com/office/drawing/2014/main" id="{3E75831E-1C6B-3542-A8E6-38E9FF024F86}"/>
+                <a16:creationId xmlns:a16="http://schemas.microsoft.com/office/drawing/2014/main" id="{65A8649D-E7F8-4547-A47A-A1ADE054A835}"/>
               </a:ext>
             </a:extLst>
           </p:cNvPr>
@@ -5415,7 +6033,28 @@
           <a:bodyPr/>
           <a:lstStyle/>
           <a:p>
-            <a:endParaRPr lang="en-US" sz="2400" dirty="0"/>
+            <a:r>
+              <a:rPr lang="en-US" sz="2400" dirty="0"/>
+              <a:t>Network can approximate any set of function that is continuous</a:t>
+            </a:r>
+          </a:p>
+          <a:p>
+            <a:r>
+              <a:rPr lang="en-US" sz="2400" dirty="0"/>
+              <a:t>Network learns to summarize an input point cloud by a sparse set of key points aka the skeleton of the object</a:t>
+            </a:r>
+          </a:p>
+          <a:p>
+            <a:r>
+              <a:rPr lang="en-US" sz="2400" dirty="0"/>
+              <a:t>Robust to small perturbation of input points as well as corruption to outliers and missing data</a:t>
+            </a:r>
+          </a:p>
+          <a:p>
+            <a:r>
+              <a:rPr lang="en-US" sz="2400" dirty="0"/>
+              <a:t>Fast training time due to less voluminous data compared to voxel grids or collection of views</a:t>
+            </a:r>
           </a:p>
         </p:txBody>
       </p:sp>
@@ -5424,7 +6063,7 @@
           <p:cNvPr id="3" name="Title 2">
             <a:extLst>
               <a:ext uri="{FF2B5EF4-FFF2-40B4-BE49-F238E27FC236}">
-                <a16:creationId xmlns:a16="http://schemas.microsoft.com/office/drawing/2014/main" id="{A292247C-C23C-464A-91BD-372A608AE8EF}"/>
+                <a16:creationId xmlns:a16="http://schemas.microsoft.com/office/drawing/2014/main" id="{B50C2044-F81A-5847-A601-568DC32826C0}"/>
               </a:ext>
             </a:extLst>
           </p:cNvPr>
@@ -5442,7 +6081,7 @@
           <a:p>
             <a:r>
               <a:rPr lang="en-US" dirty="0"/>
-              <a:t>Challenges</a:t>
+              <a:t>Benefits</a:t>
             </a:r>
           </a:p>
         </p:txBody>
@@ -5450,7 +6089,7 @@
     </p:spTree>
     <p:extLst>
       <p:ext uri="{BB962C8B-B14F-4D97-AF65-F5344CB8AC3E}">
-        <p14:creationId xmlns:p14="http://schemas.microsoft.com/office/powerpoint/2010/main" val="577296728"/>
+        <p14:creationId xmlns:p14="http://schemas.microsoft.com/office/powerpoint/2010/main" val="2685683328"/>
       </p:ext>
     </p:extLst>
   </p:cSld>
@@ -5482,7 +6121,7 @@
           <p:cNvPr id="2" name="Content Placeholder 1">
             <a:extLst>
               <a:ext uri="{FF2B5EF4-FFF2-40B4-BE49-F238E27FC236}">
-                <a16:creationId xmlns:a16="http://schemas.microsoft.com/office/drawing/2014/main" id="{74E56B35-0E75-194D-BF65-A1437CE1017B}"/>
+                <a16:creationId xmlns:a16="http://schemas.microsoft.com/office/drawing/2014/main" id="{29B15DEB-18A4-4F4D-9A65-E47EF883A455}"/>
               </a:ext>
             </a:extLst>
           </p:cNvPr>
@@ -5499,11 +6138,65 @@
           <a:lstStyle/>
           <a:p>
             <a:r>
+              <a:rPr lang="en-US" sz="2400" dirty="0"/>
+              <a:t>Stanford </a:t>
+            </a:r>
+            <a:r>
               <a:rPr lang="en-US" sz="2400" dirty="0" err="1"/>
-              <a:t>asdf</a:t>
+              <a:t>ShapeNet</a:t>
+            </a:r>
+            <a:r>
+              <a:rPr lang="en-US" sz="2400" dirty="0"/>
+              <a:t>: Reconstruction and </a:t>
+            </a:r>
+            <a:r>
+              <a:rPr lang="en-US" sz="2400" dirty="0" err="1"/>
+              <a:t>Sementation</a:t>
             </a:r>
             <a:endParaRPr lang="en-US" sz="2400" dirty="0"/>
           </a:p>
+          <a:p>
+            <a:pPr lvl="1"/>
+            <a:r>
+              <a:rPr lang="en-US" sz="2000" dirty="0"/>
+              <a:t>17,000 models from 16 shape categories</a:t>
+            </a:r>
+          </a:p>
+          <a:p>
+            <a:pPr lvl="1"/>
+            <a:r>
+              <a:rPr lang="en-US" sz="2000" dirty="0"/>
+              <a:t>Each category has 2 to 6 parts with 50 different parts annotated in total.</a:t>
+            </a:r>
+          </a:p>
+          <a:p>
+            <a:pPr lvl="1"/>
+            <a:r>
+              <a:rPr lang="en-US" sz="2000" dirty="0"/>
+              <a:t>Point Cloud shapes generated from uniformly sampled 3D surfaces.</a:t>
+            </a:r>
+          </a:p>
+          <a:p>
+            <a:pPr lvl="1"/>
+            <a:r>
+              <a:rPr lang="en-US" sz="2000" dirty="0"/>
+              <a:t>Shapes: Airplane, Bag, Cap, Chair, Earphone, Guitar, Knife, Lamp, Laptop, Motorbike, Mug, Pistol, Rocket, Skateboard, Table</a:t>
+            </a:r>
+          </a:p>
+          <a:p>
+            <a:r>
+              <a:rPr lang="en-US" sz="2400" dirty="0"/>
+              <a:t>Princeton </a:t>
+            </a:r>
+            <a:r>
+              <a:rPr lang="en-US" sz="2400" dirty="0" err="1"/>
+              <a:t>ModelNet</a:t>
+            </a:r>
+            <a:r>
+              <a:rPr lang="en-US" sz="2400" dirty="0"/>
+              <a:t> 10 or 40: if we have time</a:t>
+            </a:r>
+          </a:p>
         </p:txBody>
       </p:sp>
       <p:sp>
@@ -5511,7 +6204,7 @@
           <p:cNvPr id="3" name="Title 2">
             <a:extLst>
               <a:ext uri="{FF2B5EF4-FFF2-40B4-BE49-F238E27FC236}">
-                <a16:creationId xmlns:a16="http://schemas.microsoft.com/office/drawing/2014/main" id="{02F071BF-C260-494A-B76E-5BD9CB735BD7}"/>
+                <a16:creationId xmlns:a16="http://schemas.microsoft.com/office/drawing/2014/main" id="{4713BE45-F1C0-2B44-AA23-C74405770690}"/>
               </a:ext>
             </a:extLst>
           </p:cNvPr>
@@ -5529,7 +6222,7 @@
           <a:p>
             <a:r>
               <a:rPr lang="en-US" dirty="0"/>
-              <a:t>Contributions</a:t>
+              <a:t>Our Dataset</a:t>
             </a:r>
           </a:p>
         </p:txBody>
@@ -5537,7 +6230,7 @@
     </p:spTree>
     <p:extLst>
       <p:ext uri="{BB962C8B-B14F-4D97-AF65-F5344CB8AC3E}">
-        <p14:creationId xmlns:p14="http://schemas.microsoft.com/office/powerpoint/2010/main" val="2682010655"/>
+        <p14:creationId xmlns:p14="http://schemas.microsoft.com/office/powerpoint/2010/main" val="1375463578"/>
       </p:ext>
     </p:extLst>
   </p:cSld>
@@ -5569,7 +6262,7 @@
           <p:cNvPr id="2" name="Content Placeholder 1">
             <a:extLst>
               <a:ext uri="{FF2B5EF4-FFF2-40B4-BE49-F238E27FC236}">
-                <a16:creationId xmlns:a16="http://schemas.microsoft.com/office/drawing/2014/main" id="{A61D128D-3AEC-E245-AB44-8B543DFE4736}"/>
+                <a16:creationId xmlns:a16="http://schemas.microsoft.com/office/drawing/2014/main" id="{3E75831E-1C6B-3542-A8E6-38E9FF024F86}"/>
               </a:ext>
             </a:extLst>
           </p:cNvPr>
@@ -5585,7 +6278,70 @@
           <a:bodyPr/>
           <a:lstStyle/>
           <a:p>
-            <a:endParaRPr lang="en-US" dirty="0"/>
+            <a:r>
+              <a:rPr lang="en-US" sz="2400" dirty="0">
+                <a:solidFill>
+                  <a:schemeClr val="bg1">
+                    <a:lumMod val="85000"/>
+                  </a:schemeClr>
+                </a:solidFill>
+              </a:rPr>
+              <a:t>Introduction</a:t>
+            </a:r>
+          </a:p>
+          <a:p>
+            <a:r>
+              <a:rPr lang="en-US" sz="2400" dirty="0">
+                <a:solidFill>
+                  <a:schemeClr val="bg1">
+                    <a:lumMod val="85000"/>
+                  </a:schemeClr>
+                </a:solidFill>
+              </a:rPr>
+              <a:t>Detailed Implementation</a:t>
+            </a:r>
+          </a:p>
+          <a:p>
+            <a:r>
+              <a:rPr lang="en-US" sz="2400" dirty="0"/>
+              <a:t>Results. Do they match expectations</a:t>
+            </a:r>
+          </a:p>
+          <a:p>
+            <a:r>
+              <a:rPr lang="en-US" sz="2400" dirty="0">
+                <a:solidFill>
+                  <a:schemeClr val="bg1">
+                    <a:lumMod val="85000"/>
+                  </a:schemeClr>
+                </a:solidFill>
+              </a:rPr>
+              <a:t>Differences and improvements compared to previous works</a:t>
+            </a:r>
+          </a:p>
+          <a:p>
+            <a:r>
+              <a:rPr lang="en-US" sz="2400" dirty="0">
+                <a:solidFill>
+                  <a:schemeClr val="bg1">
+                    <a:lumMod val="85000"/>
+                  </a:schemeClr>
+                </a:solidFill>
+              </a:rPr>
+              <a:t>Challenges met and solutions</a:t>
+            </a:r>
+          </a:p>
+          <a:p>
+            <a:r>
+              <a:rPr lang="en-US" sz="2400" dirty="0">
+                <a:solidFill>
+                  <a:schemeClr val="bg1">
+                    <a:lumMod val="85000"/>
+                  </a:schemeClr>
+                </a:solidFill>
+              </a:rPr>
+              <a:t>Contributions of each team member</a:t>
+            </a:r>
           </a:p>
         </p:txBody>
       </p:sp>
@@ -5594,7 +6350,7 @@
           <p:cNvPr id="3" name="Title 2">
             <a:extLst>
               <a:ext uri="{FF2B5EF4-FFF2-40B4-BE49-F238E27FC236}">
-                <a16:creationId xmlns:a16="http://schemas.microsoft.com/office/drawing/2014/main" id="{8C2C70FF-ED0F-F640-8861-E67E7679CB59}"/>
+                <a16:creationId xmlns:a16="http://schemas.microsoft.com/office/drawing/2014/main" id="{A292247C-C23C-464A-91BD-372A608AE8EF}"/>
               </a:ext>
             </a:extLst>
           </p:cNvPr>
@@ -5612,7 +6368,7 @@
           <a:p>
             <a:r>
               <a:rPr lang="en-US" dirty="0"/>
-              <a:t>Thanks!</a:t>
+              <a:t>Specifications from Blackboard</a:t>
             </a:r>
           </a:p>
         </p:txBody>
@@ -5620,7 +6376,7 @@
     </p:spTree>
     <p:extLst>
       <p:ext uri="{BB962C8B-B14F-4D97-AF65-F5344CB8AC3E}">
-        <p14:creationId xmlns:p14="http://schemas.microsoft.com/office/powerpoint/2010/main" val="1932572840"/>
+        <p14:creationId xmlns:p14="http://schemas.microsoft.com/office/powerpoint/2010/main" val="1099706726"/>
       </p:ext>
     </p:extLst>
   </p:cSld>
@@ -5652,7 +6408,7 @@
           <p:cNvPr id="2" name="Content Placeholder 1">
             <a:extLst>
               <a:ext uri="{FF2B5EF4-FFF2-40B4-BE49-F238E27FC236}">
-                <a16:creationId xmlns:a16="http://schemas.microsoft.com/office/drawing/2014/main" id="{D134AD8D-B623-C149-9DE4-E4F0B45A5EEB}"/>
+                <a16:creationId xmlns:a16="http://schemas.microsoft.com/office/drawing/2014/main" id="{3E75831E-1C6B-3542-A8E6-38E9FF024F86}"/>
               </a:ext>
             </a:extLst>
           </p:cNvPr>
@@ -5668,7 +6424,22 @@
           <a:bodyPr/>
           <a:lstStyle/>
           <a:p>
-            <a:endParaRPr lang="en-US" dirty="0"/>
+            <a:r>
+              <a:rPr lang="en-US" sz="2400" dirty="0"/>
+              <a:t>Accuracy compared to baseline</a:t>
+            </a:r>
+          </a:p>
+          <a:p>
+            <a:r>
+              <a:rPr lang="en-US" sz="2400" dirty="0"/>
+              <a:t>Training times</a:t>
+            </a:r>
+          </a:p>
+          <a:p>
+            <a:r>
+              <a:rPr lang="en-US" sz="2400" dirty="0"/>
+              <a:t>Picture of results and tables</a:t>
+            </a:r>
           </a:p>
         </p:txBody>
       </p:sp>
@@ -5677,7 +6448,7 @@
           <p:cNvPr id="3" name="Title 2">
             <a:extLst>
               <a:ext uri="{FF2B5EF4-FFF2-40B4-BE49-F238E27FC236}">
-                <a16:creationId xmlns:a16="http://schemas.microsoft.com/office/drawing/2014/main" id="{2B6A347F-5EC8-1F47-96A2-A67CAB41B5A5}"/>
+                <a16:creationId xmlns:a16="http://schemas.microsoft.com/office/drawing/2014/main" id="{A292247C-C23C-464A-91BD-372A608AE8EF}"/>
               </a:ext>
             </a:extLst>
           </p:cNvPr>
@@ -5695,7 +6466,7 @@
           <a:p>
             <a:r>
               <a:rPr lang="en-US" dirty="0"/>
-              <a:t>References</a:t>
+              <a:t>Results</a:t>
             </a:r>
           </a:p>
         </p:txBody>
@@ -5703,7 +6474,7 @@
     </p:spTree>
     <p:extLst>
       <p:ext uri="{BB962C8B-B14F-4D97-AF65-F5344CB8AC3E}">
-        <p14:creationId xmlns:p14="http://schemas.microsoft.com/office/powerpoint/2010/main" val="2917387211"/>
+        <p14:creationId xmlns:p14="http://schemas.microsoft.com/office/powerpoint/2010/main" val="3406156963"/>
       </p:ext>
     </p:extLst>
   </p:cSld>
@@ -5735,6 +6506,1027 @@
           <p:cNvPr id="2" name="Content Placeholder 1">
             <a:extLst>
               <a:ext uri="{FF2B5EF4-FFF2-40B4-BE49-F238E27FC236}">
+                <a16:creationId xmlns:a16="http://schemas.microsoft.com/office/drawing/2014/main" id="{3E75831E-1C6B-3542-A8E6-38E9FF024F86}"/>
+              </a:ext>
+            </a:extLst>
+          </p:cNvPr>
+          <p:cNvSpPr>
+            <a:spLocks noGrp="1"/>
+          </p:cNvSpPr>
+          <p:nvPr>
+            <p:ph idx="1"/>
+          </p:nvPr>
+        </p:nvSpPr>
+        <p:spPr/>
+        <p:txBody>
+          <a:bodyPr/>
+          <a:lstStyle/>
+          <a:p>
+            <a:r>
+              <a:rPr lang="en-US" sz="2400" dirty="0">
+                <a:solidFill>
+                  <a:schemeClr val="bg1">
+                    <a:lumMod val="85000"/>
+                  </a:schemeClr>
+                </a:solidFill>
+              </a:rPr>
+              <a:t>Introduction</a:t>
+            </a:r>
+          </a:p>
+          <a:p>
+            <a:r>
+              <a:rPr lang="en-US" sz="2400" dirty="0">
+                <a:solidFill>
+                  <a:schemeClr val="bg1">
+                    <a:lumMod val="85000"/>
+                  </a:schemeClr>
+                </a:solidFill>
+              </a:rPr>
+              <a:t>Detailed Implementation</a:t>
+            </a:r>
+          </a:p>
+          <a:p>
+            <a:r>
+              <a:rPr lang="en-US" sz="2400" dirty="0">
+                <a:solidFill>
+                  <a:schemeClr val="bg1">
+                    <a:lumMod val="85000"/>
+                  </a:schemeClr>
+                </a:solidFill>
+              </a:rPr>
+              <a:t>Results. Do they match expectations</a:t>
+            </a:r>
+          </a:p>
+          <a:p>
+            <a:r>
+              <a:rPr lang="en-US" sz="2400" dirty="0"/>
+              <a:t>Differences and improvements compared to previous works</a:t>
+            </a:r>
+          </a:p>
+          <a:p>
+            <a:r>
+              <a:rPr lang="en-US" sz="2400" dirty="0">
+                <a:solidFill>
+                  <a:schemeClr val="bg1">
+                    <a:lumMod val="85000"/>
+                  </a:schemeClr>
+                </a:solidFill>
+              </a:rPr>
+              <a:t>Challenges met and solutions</a:t>
+            </a:r>
+            <a:endParaRPr lang="en-US" sz="2400" dirty="0"/>
+          </a:p>
+          <a:p>
+            <a:r>
+              <a:rPr lang="en-US" sz="2400" dirty="0">
+                <a:solidFill>
+                  <a:schemeClr val="bg1">
+                    <a:lumMod val="85000"/>
+                  </a:schemeClr>
+                </a:solidFill>
+              </a:rPr>
+              <a:t>Contributions of each team member</a:t>
+            </a:r>
+          </a:p>
+        </p:txBody>
+      </p:sp>
+      <p:sp>
+        <p:nvSpPr>
+          <p:cNvPr id="3" name="Title 2">
+            <a:extLst>
+              <a:ext uri="{FF2B5EF4-FFF2-40B4-BE49-F238E27FC236}">
+                <a16:creationId xmlns:a16="http://schemas.microsoft.com/office/drawing/2014/main" id="{A292247C-C23C-464A-91BD-372A608AE8EF}"/>
+              </a:ext>
+            </a:extLst>
+          </p:cNvPr>
+          <p:cNvSpPr>
+            <a:spLocks noGrp="1"/>
+          </p:cNvSpPr>
+          <p:nvPr>
+            <p:ph type="ctrTitle"/>
+          </p:nvPr>
+        </p:nvSpPr>
+        <p:spPr/>
+        <p:txBody>
+          <a:bodyPr/>
+          <a:lstStyle/>
+          <a:p>
+            <a:r>
+              <a:rPr lang="en-US" dirty="0"/>
+              <a:t>Specifications from Blackboard</a:t>
+            </a:r>
+          </a:p>
+        </p:txBody>
+      </p:sp>
+    </p:spTree>
+    <p:extLst>
+      <p:ext uri="{BB962C8B-B14F-4D97-AF65-F5344CB8AC3E}">
+        <p14:creationId xmlns:p14="http://schemas.microsoft.com/office/powerpoint/2010/main" val="3741246855"/>
+      </p:ext>
+    </p:extLst>
+  </p:cSld>
+  <p:clrMapOvr>
+    <a:masterClrMapping/>
+  </p:clrMapOvr>
+</p:sld>
+</file>
+
+<file path=ppt/slides/slide18.xml><?xml version="1.0" encoding="utf-8"?>
+<p:sld xmlns:a="http://schemas.openxmlformats.org/drawingml/2006/main" xmlns:r="http://schemas.openxmlformats.org/officeDocument/2006/relationships" xmlns:p="http://schemas.openxmlformats.org/presentationml/2006/main">
+  <p:cSld>
+    <p:spTree>
+      <p:nvGrpSpPr>
+        <p:cNvPr id="1" name=""/>
+        <p:cNvGrpSpPr/>
+        <p:nvPr/>
+      </p:nvGrpSpPr>
+      <p:grpSpPr>
+        <a:xfrm>
+          <a:off x="0" y="0"/>
+          <a:ext cx="0" cy="0"/>
+          <a:chOff x="0" y="0"/>
+          <a:chExt cx="0" cy="0"/>
+        </a:xfrm>
+      </p:grpSpPr>
+      <p:sp>
+        <p:nvSpPr>
+          <p:cNvPr id="2" name="Content Placeholder 1">
+            <a:extLst>
+              <a:ext uri="{FF2B5EF4-FFF2-40B4-BE49-F238E27FC236}">
+                <a16:creationId xmlns:a16="http://schemas.microsoft.com/office/drawing/2014/main" id="{38565ABD-7C47-8845-8A91-83627BE1F103}"/>
+              </a:ext>
+            </a:extLst>
+          </p:cNvPr>
+          <p:cNvSpPr>
+            <a:spLocks noGrp="1"/>
+          </p:cNvSpPr>
+          <p:nvPr>
+            <p:ph idx="1"/>
+          </p:nvPr>
+        </p:nvSpPr>
+        <p:spPr/>
+        <p:txBody>
+          <a:bodyPr/>
+          <a:lstStyle/>
+          <a:p>
+            <a:r>
+              <a:rPr lang="en-US" sz="2400" dirty="0"/>
+              <a:t>TBD</a:t>
+            </a:r>
+          </a:p>
+        </p:txBody>
+      </p:sp>
+      <p:sp>
+        <p:nvSpPr>
+          <p:cNvPr id="3" name="Title 2">
+            <a:extLst>
+              <a:ext uri="{FF2B5EF4-FFF2-40B4-BE49-F238E27FC236}">
+                <a16:creationId xmlns:a16="http://schemas.microsoft.com/office/drawing/2014/main" id="{3FBCADA3-B0FF-FB4A-AE2B-06CE1F5F13E3}"/>
+              </a:ext>
+            </a:extLst>
+          </p:cNvPr>
+          <p:cNvSpPr>
+            <a:spLocks noGrp="1"/>
+          </p:cNvSpPr>
+          <p:nvPr>
+            <p:ph type="ctrTitle"/>
+          </p:nvPr>
+        </p:nvSpPr>
+        <p:spPr/>
+        <p:txBody>
+          <a:bodyPr/>
+          <a:lstStyle/>
+          <a:p>
+            <a:r>
+              <a:rPr lang="en-US" dirty="0"/>
+              <a:t>Differences and Improvements</a:t>
+            </a:r>
+          </a:p>
+        </p:txBody>
+      </p:sp>
+    </p:spTree>
+    <p:extLst>
+      <p:ext uri="{BB962C8B-B14F-4D97-AF65-F5344CB8AC3E}">
+        <p14:creationId xmlns:p14="http://schemas.microsoft.com/office/powerpoint/2010/main" val="4081342684"/>
+      </p:ext>
+    </p:extLst>
+  </p:cSld>
+  <p:clrMapOvr>
+    <a:masterClrMapping/>
+  </p:clrMapOvr>
+</p:sld>
+</file>
+
+<file path=ppt/slides/slide19.xml><?xml version="1.0" encoding="utf-8"?>
+<p:sld xmlns:a="http://schemas.openxmlformats.org/drawingml/2006/main" xmlns:r="http://schemas.openxmlformats.org/officeDocument/2006/relationships" xmlns:p="http://schemas.openxmlformats.org/presentationml/2006/main">
+  <p:cSld>
+    <p:spTree>
+      <p:nvGrpSpPr>
+        <p:cNvPr id="1" name=""/>
+        <p:cNvGrpSpPr/>
+        <p:nvPr/>
+      </p:nvGrpSpPr>
+      <p:grpSpPr>
+        <a:xfrm>
+          <a:off x="0" y="0"/>
+          <a:ext cx="0" cy="0"/>
+          <a:chOff x="0" y="0"/>
+          <a:chExt cx="0" cy="0"/>
+        </a:xfrm>
+      </p:grpSpPr>
+      <p:sp>
+        <p:nvSpPr>
+          <p:cNvPr id="2" name="Content Placeholder 1">
+            <a:extLst>
+              <a:ext uri="{FF2B5EF4-FFF2-40B4-BE49-F238E27FC236}">
+                <a16:creationId xmlns:a16="http://schemas.microsoft.com/office/drawing/2014/main" id="{3E75831E-1C6B-3542-A8E6-38E9FF024F86}"/>
+              </a:ext>
+            </a:extLst>
+          </p:cNvPr>
+          <p:cNvSpPr>
+            <a:spLocks noGrp="1"/>
+          </p:cNvSpPr>
+          <p:nvPr>
+            <p:ph idx="1"/>
+          </p:nvPr>
+        </p:nvSpPr>
+        <p:spPr/>
+        <p:txBody>
+          <a:bodyPr/>
+          <a:lstStyle/>
+          <a:p>
+            <a:r>
+              <a:rPr lang="en-US" sz="2400" dirty="0">
+                <a:solidFill>
+                  <a:schemeClr val="bg1">
+                    <a:lumMod val="85000"/>
+                  </a:schemeClr>
+                </a:solidFill>
+              </a:rPr>
+              <a:t>Introduction</a:t>
+            </a:r>
+          </a:p>
+          <a:p>
+            <a:r>
+              <a:rPr lang="en-US" sz="2400" dirty="0">
+                <a:solidFill>
+                  <a:schemeClr val="bg1">
+                    <a:lumMod val="85000"/>
+                  </a:schemeClr>
+                </a:solidFill>
+              </a:rPr>
+              <a:t>Detailed Implementation</a:t>
+            </a:r>
+          </a:p>
+          <a:p>
+            <a:r>
+              <a:rPr lang="en-US" sz="2400" dirty="0">
+                <a:solidFill>
+                  <a:schemeClr val="bg1">
+                    <a:lumMod val="85000"/>
+                  </a:schemeClr>
+                </a:solidFill>
+              </a:rPr>
+              <a:t>Results. Do they match expectations</a:t>
+            </a:r>
+          </a:p>
+          <a:p>
+            <a:r>
+              <a:rPr lang="en-US" sz="2400" dirty="0">
+                <a:solidFill>
+                  <a:schemeClr val="bg1">
+                    <a:lumMod val="85000"/>
+                  </a:schemeClr>
+                </a:solidFill>
+              </a:rPr>
+              <a:t>Differences and improvements compared to previous works</a:t>
+            </a:r>
+          </a:p>
+          <a:p>
+            <a:r>
+              <a:rPr lang="en-US" sz="2400" dirty="0"/>
+              <a:t>Challenges met and solutions</a:t>
+            </a:r>
+            <a:endParaRPr lang="en-US" sz="2400" dirty="0">
+              <a:solidFill>
+                <a:schemeClr val="bg1">
+                  <a:lumMod val="85000"/>
+                </a:schemeClr>
+              </a:solidFill>
+            </a:endParaRPr>
+          </a:p>
+          <a:p>
+            <a:r>
+              <a:rPr lang="en-US" sz="2400" dirty="0">
+                <a:solidFill>
+                  <a:schemeClr val="bg1">
+                    <a:lumMod val="85000"/>
+                  </a:schemeClr>
+                </a:solidFill>
+              </a:rPr>
+              <a:t>Contributions of each team member</a:t>
+            </a:r>
+          </a:p>
+        </p:txBody>
+      </p:sp>
+      <p:sp>
+        <p:nvSpPr>
+          <p:cNvPr id="3" name="Title 2">
+            <a:extLst>
+              <a:ext uri="{FF2B5EF4-FFF2-40B4-BE49-F238E27FC236}">
+                <a16:creationId xmlns:a16="http://schemas.microsoft.com/office/drawing/2014/main" id="{A292247C-C23C-464A-91BD-372A608AE8EF}"/>
+              </a:ext>
+            </a:extLst>
+          </p:cNvPr>
+          <p:cNvSpPr>
+            <a:spLocks noGrp="1"/>
+          </p:cNvSpPr>
+          <p:nvPr>
+            <p:ph type="ctrTitle"/>
+          </p:nvPr>
+        </p:nvSpPr>
+        <p:spPr/>
+        <p:txBody>
+          <a:bodyPr/>
+          <a:lstStyle/>
+          <a:p>
+            <a:r>
+              <a:rPr lang="en-US" dirty="0"/>
+              <a:t>Agenda</a:t>
+            </a:r>
+          </a:p>
+        </p:txBody>
+      </p:sp>
+    </p:spTree>
+    <p:extLst>
+      <p:ext uri="{BB962C8B-B14F-4D97-AF65-F5344CB8AC3E}">
+        <p14:creationId xmlns:p14="http://schemas.microsoft.com/office/powerpoint/2010/main" val="885603410"/>
+      </p:ext>
+    </p:extLst>
+  </p:cSld>
+  <p:clrMapOvr>
+    <a:masterClrMapping/>
+  </p:clrMapOvr>
+</p:sld>
+</file>
+
+<file path=ppt/slides/slide2.xml><?xml version="1.0" encoding="utf-8"?>
+<p:sld xmlns:a="http://schemas.openxmlformats.org/drawingml/2006/main" xmlns:r="http://schemas.openxmlformats.org/officeDocument/2006/relationships" xmlns:p="http://schemas.openxmlformats.org/presentationml/2006/main">
+  <p:cSld>
+    <p:spTree>
+      <p:nvGrpSpPr>
+        <p:cNvPr id="1" name=""/>
+        <p:cNvGrpSpPr/>
+        <p:nvPr/>
+      </p:nvGrpSpPr>
+      <p:grpSpPr>
+        <a:xfrm>
+          <a:off x="0" y="0"/>
+          <a:ext cx="0" cy="0"/>
+          <a:chOff x="0" y="0"/>
+          <a:chExt cx="0" cy="0"/>
+        </a:xfrm>
+      </p:grpSpPr>
+      <p:sp>
+        <p:nvSpPr>
+          <p:cNvPr id="2" name="Content Placeholder 1">
+            <a:extLst>
+              <a:ext uri="{FF2B5EF4-FFF2-40B4-BE49-F238E27FC236}">
+                <a16:creationId xmlns:a16="http://schemas.microsoft.com/office/drawing/2014/main" id="{3E75831E-1C6B-3542-A8E6-38E9FF024F86}"/>
+              </a:ext>
+            </a:extLst>
+          </p:cNvPr>
+          <p:cNvSpPr>
+            <a:spLocks noGrp="1"/>
+          </p:cNvSpPr>
+          <p:nvPr>
+            <p:ph idx="1"/>
+          </p:nvPr>
+        </p:nvSpPr>
+        <p:spPr/>
+        <p:txBody>
+          <a:bodyPr/>
+          <a:lstStyle/>
+          <a:p>
+            <a:r>
+              <a:rPr lang="en-US" sz="2400" dirty="0"/>
+              <a:t>Introduction</a:t>
+            </a:r>
+          </a:p>
+          <a:p>
+            <a:r>
+              <a:rPr lang="en-US" sz="2400" dirty="0"/>
+              <a:t>Detailed Implementation</a:t>
+            </a:r>
+          </a:p>
+          <a:p>
+            <a:r>
+              <a:rPr lang="en-US" sz="2400" dirty="0"/>
+              <a:t>Results. Do they match expectations</a:t>
+            </a:r>
+          </a:p>
+          <a:p>
+            <a:r>
+              <a:rPr lang="en-US" sz="2400" dirty="0"/>
+              <a:t>Differences and improvements compared to previous works</a:t>
+            </a:r>
+          </a:p>
+          <a:p>
+            <a:r>
+              <a:rPr lang="en-US" sz="2400" dirty="0"/>
+              <a:t>Challenges met and solutions</a:t>
+            </a:r>
+          </a:p>
+          <a:p>
+            <a:r>
+              <a:rPr lang="en-US" sz="2400" dirty="0"/>
+              <a:t>Contributions of each team member</a:t>
+            </a:r>
+          </a:p>
+        </p:txBody>
+      </p:sp>
+      <p:sp>
+        <p:nvSpPr>
+          <p:cNvPr id="3" name="Title 2">
+            <a:extLst>
+              <a:ext uri="{FF2B5EF4-FFF2-40B4-BE49-F238E27FC236}">
+                <a16:creationId xmlns:a16="http://schemas.microsoft.com/office/drawing/2014/main" id="{A292247C-C23C-464A-91BD-372A608AE8EF}"/>
+              </a:ext>
+            </a:extLst>
+          </p:cNvPr>
+          <p:cNvSpPr>
+            <a:spLocks noGrp="1"/>
+          </p:cNvSpPr>
+          <p:nvPr>
+            <p:ph type="ctrTitle"/>
+          </p:nvPr>
+        </p:nvSpPr>
+        <p:spPr/>
+        <p:txBody>
+          <a:bodyPr/>
+          <a:lstStyle/>
+          <a:p>
+            <a:r>
+              <a:rPr lang="en-US" dirty="0"/>
+              <a:t>Agenda</a:t>
+            </a:r>
+          </a:p>
+        </p:txBody>
+      </p:sp>
+    </p:spTree>
+    <p:extLst>
+      <p:ext uri="{BB962C8B-B14F-4D97-AF65-F5344CB8AC3E}">
+        <p14:creationId xmlns:p14="http://schemas.microsoft.com/office/powerpoint/2010/main" val="131805375"/>
+      </p:ext>
+    </p:extLst>
+  </p:cSld>
+  <p:clrMapOvr>
+    <a:masterClrMapping/>
+  </p:clrMapOvr>
+</p:sld>
+</file>
+
+<file path=ppt/slides/slide20.xml><?xml version="1.0" encoding="utf-8"?>
+<p:sld xmlns:a="http://schemas.openxmlformats.org/drawingml/2006/main" xmlns:r="http://schemas.openxmlformats.org/officeDocument/2006/relationships" xmlns:p="http://schemas.openxmlformats.org/presentationml/2006/main">
+  <p:cSld>
+    <p:spTree>
+      <p:nvGrpSpPr>
+        <p:cNvPr id="1" name=""/>
+        <p:cNvGrpSpPr/>
+        <p:nvPr/>
+      </p:nvGrpSpPr>
+      <p:grpSpPr>
+        <a:xfrm>
+          <a:off x="0" y="0"/>
+          <a:ext cx="0" cy="0"/>
+          <a:chOff x="0" y="0"/>
+          <a:chExt cx="0" cy="0"/>
+        </a:xfrm>
+      </p:grpSpPr>
+      <p:sp>
+        <p:nvSpPr>
+          <p:cNvPr id="2" name="Content Placeholder 1">
+            <a:extLst>
+              <a:ext uri="{FF2B5EF4-FFF2-40B4-BE49-F238E27FC236}">
+                <a16:creationId xmlns:a16="http://schemas.microsoft.com/office/drawing/2014/main" id="{3E75831E-1C6B-3542-A8E6-38E9FF024F86}"/>
+              </a:ext>
+            </a:extLst>
+          </p:cNvPr>
+          <p:cNvSpPr>
+            <a:spLocks noGrp="1"/>
+          </p:cNvSpPr>
+          <p:nvPr>
+            <p:ph idx="1"/>
+          </p:nvPr>
+        </p:nvSpPr>
+        <p:spPr/>
+        <p:txBody>
+          <a:bodyPr/>
+          <a:lstStyle/>
+          <a:p>
+            <a:endParaRPr lang="en-US" sz="2400" dirty="0"/>
+          </a:p>
+        </p:txBody>
+      </p:sp>
+      <p:sp>
+        <p:nvSpPr>
+          <p:cNvPr id="3" name="Title 2">
+            <a:extLst>
+              <a:ext uri="{FF2B5EF4-FFF2-40B4-BE49-F238E27FC236}">
+                <a16:creationId xmlns:a16="http://schemas.microsoft.com/office/drawing/2014/main" id="{A292247C-C23C-464A-91BD-372A608AE8EF}"/>
+              </a:ext>
+            </a:extLst>
+          </p:cNvPr>
+          <p:cNvSpPr>
+            <a:spLocks noGrp="1"/>
+          </p:cNvSpPr>
+          <p:nvPr>
+            <p:ph type="ctrTitle"/>
+          </p:nvPr>
+        </p:nvSpPr>
+        <p:spPr/>
+        <p:txBody>
+          <a:bodyPr/>
+          <a:lstStyle/>
+          <a:p>
+            <a:r>
+              <a:rPr lang="en-US" dirty="0"/>
+              <a:t>Challenges</a:t>
+            </a:r>
+          </a:p>
+        </p:txBody>
+      </p:sp>
+    </p:spTree>
+    <p:extLst>
+      <p:ext uri="{BB962C8B-B14F-4D97-AF65-F5344CB8AC3E}">
+        <p14:creationId xmlns:p14="http://schemas.microsoft.com/office/powerpoint/2010/main" val="577296728"/>
+      </p:ext>
+    </p:extLst>
+  </p:cSld>
+  <p:clrMapOvr>
+    <a:masterClrMapping/>
+  </p:clrMapOvr>
+</p:sld>
+</file>
+
+<file path=ppt/slides/slide21.xml><?xml version="1.0" encoding="utf-8"?>
+<p:sld xmlns:a="http://schemas.openxmlformats.org/drawingml/2006/main" xmlns:r="http://schemas.openxmlformats.org/officeDocument/2006/relationships" xmlns:p="http://schemas.openxmlformats.org/presentationml/2006/main">
+  <p:cSld>
+    <p:spTree>
+      <p:nvGrpSpPr>
+        <p:cNvPr id="1" name=""/>
+        <p:cNvGrpSpPr/>
+        <p:nvPr/>
+      </p:nvGrpSpPr>
+      <p:grpSpPr>
+        <a:xfrm>
+          <a:off x="0" y="0"/>
+          <a:ext cx="0" cy="0"/>
+          <a:chOff x="0" y="0"/>
+          <a:chExt cx="0" cy="0"/>
+        </a:xfrm>
+      </p:grpSpPr>
+      <p:sp>
+        <p:nvSpPr>
+          <p:cNvPr id="2" name="Content Placeholder 1">
+            <a:extLst>
+              <a:ext uri="{FF2B5EF4-FFF2-40B4-BE49-F238E27FC236}">
+                <a16:creationId xmlns:a16="http://schemas.microsoft.com/office/drawing/2014/main" id="{3E75831E-1C6B-3542-A8E6-38E9FF024F86}"/>
+              </a:ext>
+            </a:extLst>
+          </p:cNvPr>
+          <p:cNvSpPr>
+            <a:spLocks noGrp="1"/>
+          </p:cNvSpPr>
+          <p:nvPr>
+            <p:ph idx="1"/>
+          </p:nvPr>
+        </p:nvSpPr>
+        <p:spPr/>
+        <p:txBody>
+          <a:bodyPr/>
+          <a:lstStyle/>
+          <a:p>
+            <a:r>
+              <a:rPr lang="en-US" sz="2400" dirty="0">
+                <a:solidFill>
+                  <a:schemeClr val="bg1">
+                    <a:lumMod val="85000"/>
+                  </a:schemeClr>
+                </a:solidFill>
+              </a:rPr>
+              <a:t>Introduction</a:t>
+            </a:r>
+          </a:p>
+          <a:p>
+            <a:r>
+              <a:rPr lang="en-US" sz="2400" dirty="0">
+                <a:solidFill>
+                  <a:schemeClr val="bg1">
+                    <a:lumMod val="85000"/>
+                  </a:schemeClr>
+                </a:solidFill>
+              </a:rPr>
+              <a:t>Detailed Implementation</a:t>
+            </a:r>
+          </a:p>
+          <a:p>
+            <a:r>
+              <a:rPr lang="en-US" sz="2400" dirty="0">
+                <a:solidFill>
+                  <a:schemeClr val="bg1">
+                    <a:lumMod val="85000"/>
+                  </a:schemeClr>
+                </a:solidFill>
+              </a:rPr>
+              <a:t>Results. Do they match expectations</a:t>
+            </a:r>
+          </a:p>
+          <a:p>
+            <a:r>
+              <a:rPr lang="en-US" sz="2400" dirty="0">
+                <a:solidFill>
+                  <a:schemeClr val="bg1">
+                    <a:lumMod val="85000"/>
+                  </a:schemeClr>
+                </a:solidFill>
+              </a:rPr>
+              <a:t>Differences and improvements compared to previous works</a:t>
+            </a:r>
+          </a:p>
+          <a:p>
+            <a:r>
+              <a:rPr lang="en-US" sz="2400" dirty="0">
+                <a:solidFill>
+                  <a:schemeClr val="bg1">
+                    <a:lumMod val="85000"/>
+                  </a:schemeClr>
+                </a:solidFill>
+              </a:rPr>
+              <a:t>Challenges met and solutions</a:t>
+            </a:r>
+          </a:p>
+          <a:p>
+            <a:r>
+              <a:rPr lang="en-US" sz="2400" dirty="0"/>
+              <a:t>Contributions of each team member</a:t>
+            </a:r>
+          </a:p>
+        </p:txBody>
+      </p:sp>
+      <p:sp>
+        <p:nvSpPr>
+          <p:cNvPr id="3" name="Title 2">
+            <a:extLst>
+              <a:ext uri="{FF2B5EF4-FFF2-40B4-BE49-F238E27FC236}">
+                <a16:creationId xmlns:a16="http://schemas.microsoft.com/office/drawing/2014/main" id="{A292247C-C23C-464A-91BD-372A608AE8EF}"/>
+              </a:ext>
+            </a:extLst>
+          </p:cNvPr>
+          <p:cNvSpPr>
+            <a:spLocks noGrp="1"/>
+          </p:cNvSpPr>
+          <p:nvPr>
+            <p:ph type="ctrTitle"/>
+          </p:nvPr>
+        </p:nvSpPr>
+        <p:spPr/>
+        <p:txBody>
+          <a:bodyPr/>
+          <a:lstStyle/>
+          <a:p>
+            <a:r>
+              <a:rPr lang="en-US" dirty="0"/>
+              <a:t>Agenda</a:t>
+            </a:r>
+          </a:p>
+        </p:txBody>
+      </p:sp>
+    </p:spTree>
+    <p:extLst>
+      <p:ext uri="{BB962C8B-B14F-4D97-AF65-F5344CB8AC3E}">
+        <p14:creationId xmlns:p14="http://schemas.microsoft.com/office/powerpoint/2010/main" val="3423908790"/>
+      </p:ext>
+    </p:extLst>
+  </p:cSld>
+  <p:clrMapOvr>
+    <a:masterClrMapping/>
+  </p:clrMapOvr>
+</p:sld>
+</file>
+
+<file path=ppt/slides/slide22.xml><?xml version="1.0" encoding="utf-8"?>
+<p:sld xmlns:a="http://schemas.openxmlformats.org/drawingml/2006/main" xmlns:r="http://schemas.openxmlformats.org/officeDocument/2006/relationships" xmlns:p="http://schemas.openxmlformats.org/presentationml/2006/main">
+  <p:cSld>
+    <p:spTree>
+      <p:nvGrpSpPr>
+        <p:cNvPr id="1" name=""/>
+        <p:cNvGrpSpPr/>
+        <p:nvPr/>
+      </p:nvGrpSpPr>
+      <p:grpSpPr>
+        <a:xfrm>
+          <a:off x="0" y="0"/>
+          <a:ext cx="0" cy="0"/>
+          <a:chOff x="0" y="0"/>
+          <a:chExt cx="0" cy="0"/>
+        </a:xfrm>
+      </p:grpSpPr>
+      <p:sp>
+        <p:nvSpPr>
+          <p:cNvPr id="2" name="Content Placeholder 1">
+            <a:extLst>
+              <a:ext uri="{FF2B5EF4-FFF2-40B4-BE49-F238E27FC236}">
+                <a16:creationId xmlns:a16="http://schemas.microsoft.com/office/drawing/2014/main" id="{74E56B35-0E75-194D-BF65-A1437CE1017B}"/>
+              </a:ext>
+            </a:extLst>
+          </p:cNvPr>
+          <p:cNvSpPr>
+            <a:spLocks noGrp="1"/>
+          </p:cNvSpPr>
+          <p:nvPr>
+            <p:ph idx="1"/>
+          </p:nvPr>
+        </p:nvSpPr>
+        <p:spPr/>
+        <p:txBody>
+          <a:bodyPr/>
+          <a:lstStyle/>
+          <a:p>
+            <a:r>
+              <a:rPr lang="en-US" sz="2400" dirty="0"/>
+              <a:t>Model Building</a:t>
+            </a:r>
+          </a:p>
+          <a:p>
+            <a:pPr lvl="1"/>
+            <a:r>
+              <a:rPr lang="en-US" sz="2000" dirty="0"/>
+              <a:t>Classification</a:t>
+            </a:r>
+          </a:p>
+          <a:p>
+            <a:pPr lvl="1"/>
+            <a:r>
+              <a:rPr lang="en-US" sz="2000" dirty="0"/>
+              <a:t>Segmentation</a:t>
+            </a:r>
+          </a:p>
+          <a:p>
+            <a:r>
+              <a:rPr lang="en-US" sz="2400" dirty="0"/>
+              <a:t>Data Loading</a:t>
+            </a:r>
+          </a:p>
+          <a:p>
+            <a:r>
+              <a:rPr lang="en-US" sz="2400" dirty="0"/>
+              <a:t>Visualization</a:t>
+            </a:r>
+          </a:p>
+          <a:p>
+            <a:r>
+              <a:rPr lang="en-US" sz="2400" dirty="0"/>
+              <a:t>Training </a:t>
+            </a:r>
+          </a:p>
+          <a:p>
+            <a:r>
+              <a:rPr lang="en-US" sz="2400" dirty="0"/>
+              <a:t>Testing</a:t>
+            </a:r>
+          </a:p>
+        </p:txBody>
+      </p:sp>
+      <p:sp>
+        <p:nvSpPr>
+          <p:cNvPr id="3" name="Title 2">
+            <a:extLst>
+              <a:ext uri="{FF2B5EF4-FFF2-40B4-BE49-F238E27FC236}">
+                <a16:creationId xmlns:a16="http://schemas.microsoft.com/office/drawing/2014/main" id="{02F071BF-C260-494A-B76E-5BD9CB735BD7}"/>
+              </a:ext>
+            </a:extLst>
+          </p:cNvPr>
+          <p:cNvSpPr>
+            <a:spLocks noGrp="1"/>
+          </p:cNvSpPr>
+          <p:nvPr>
+            <p:ph type="ctrTitle"/>
+          </p:nvPr>
+        </p:nvSpPr>
+        <p:spPr/>
+        <p:txBody>
+          <a:bodyPr/>
+          <a:lstStyle/>
+          <a:p>
+            <a:r>
+              <a:rPr lang="en-US" dirty="0"/>
+              <a:t>Contributions</a:t>
+            </a:r>
+          </a:p>
+        </p:txBody>
+      </p:sp>
+    </p:spTree>
+    <p:extLst>
+      <p:ext uri="{BB962C8B-B14F-4D97-AF65-F5344CB8AC3E}">
+        <p14:creationId xmlns:p14="http://schemas.microsoft.com/office/powerpoint/2010/main" val="2682010655"/>
+      </p:ext>
+    </p:extLst>
+  </p:cSld>
+  <p:clrMapOvr>
+    <a:masterClrMapping/>
+  </p:clrMapOvr>
+</p:sld>
+</file>
+
+<file path=ppt/slides/slide23.xml><?xml version="1.0" encoding="utf-8"?>
+<p:sld xmlns:a="http://schemas.openxmlformats.org/drawingml/2006/main" xmlns:r="http://schemas.openxmlformats.org/officeDocument/2006/relationships" xmlns:p="http://schemas.openxmlformats.org/presentationml/2006/main">
+  <p:cSld>
+    <p:spTree>
+      <p:nvGrpSpPr>
+        <p:cNvPr id="1" name=""/>
+        <p:cNvGrpSpPr/>
+        <p:nvPr/>
+      </p:nvGrpSpPr>
+      <p:grpSpPr>
+        <a:xfrm>
+          <a:off x="0" y="0"/>
+          <a:ext cx="0" cy="0"/>
+          <a:chOff x="0" y="0"/>
+          <a:chExt cx="0" cy="0"/>
+        </a:xfrm>
+      </p:grpSpPr>
+      <p:sp>
+        <p:nvSpPr>
+          <p:cNvPr id="2" name="Content Placeholder 1">
+            <a:extLst>
+              <a:ext uri="{FF2B5EF4-FFF2-40B4-BE49-F238E27FC236}">
+                <a16:creationId xmlns:a16="http://schemas.microsoft.com/office/drawing/2014/main" id="{A61D128D-3AEC-E245-AB44-8B543DFE4736}"/>
+              </a:ext>
+            </a:extLst>
+          </p:cNvPr>
+          <p:cNvSpPr>
+            <a:spLocks noGrp="1"/>
+          </p:cNvSpPr>
+          <p:nvPr>
+            <p:ph idx="1"/>
+          </p:nvPr>
+        </p:nvSpPr>
+        <p:spPr/>
+        <p:txBody>
+          <a:bodyPr/>
+          <a:lstStyle/>
+          <a:p>
+            <a:endParaRPr lang="en-US" dirty="0"/>
+          </a:p>
+        </p:txBody>
+      </p:sp>
+      <p:sp>
+        <p:nvSpPr>
+          <p:cNvPr id="3" name="Title 2">
+            <a:extLst>
+              <a:ext uri="{FF2B5EF4-FFF2-40B4-BE49-F238E27FC236}">
+                <a16:creationId xmlns:a16="http://schemas.microsoft.com/office/drawing/2014/main" id="{8C2C70FF-ED0F-F640-8861-E67E7679CB59}"/>
+              </a:ext>
+            </a:extLst>
+          </p:cNvPr>
+          <p:cNvSpPr>
+            <a:spLocks noGrp="1"/>
+          </p:cNvSpPr>
+          <p:nvPr>
+            <p:ph type="ctrTitle"/>
+          </p:nvPr>
+        </p:nvSpPr>
+        <p:spPr/>
+        <p:txBody>
+          <a:bodyPr/>
+          <a:lstStyle/>
+          <a:p>
+            <a:r>
+              <a:rPr lang="en-US" dirty="0"/>
+              <a:t>Thanks!</a:t>
+            </a:r>
+          </a:p>
+        </p:txBody>
+      </p:sp>
+    </p:spTree>
+    <p:extLst>
+      <p:ext uri="{BB962C8B-B14F-4D97-AF65-F5344CB8AC3E}">
+        <p14:creationId xmlns:p14="http://schemas.microsoft.com/office/powerpoint/2010/main" val="1932572840"/>
+      </p:ext>
+    </p:extLst>
+  </p:cSld>
+  <p:clrMapOvr>
+    <a:masterClrMapping/>
+  </p:clrMapOvr>
+</p:sld>
+</file>
+
+<file path=ppt/slides/slide24.xml><?xml version="1.0" encoding="utf-8"?>
+<p:sld xmlns:a="http://schemas.openxmlformats.org/drawingml/2006/main" xmlns:r="http://schemas.openxmlformats.org/officeDocument/2006/relationships" xmlns:p="http://schemas.openxmlformats.org/presentationml/2006/main">
+  <p:cSld>
+    <p:spTree>
+      <p:nvGrpSpPr>
+        <p:cNvPr id="1" name=""/>
+        <p:cNvGrpSpPr/>
+        <p:nvPr/>
+      </p:nvGrpSpPr>
+      <p:grpSpPr>
+        <a:xfrm>
+          <a:off x="0" y="0"/>
+          <a:ext cx="0" cy="0"/>
+          <a:chOff x="0" y="0"/>
+          <a:chExt cx="0" cy="0"/>
+        </a:xfrm>
+      </p:grpSpPr>
+      <p:sp>
+        <p:nvSpPr>
+          <p:cNvPr id="2" name="Content Placeholder 1">
+            <a:extLst>
+              <a:ext uri="{FF2B5EF4-FFF2-40B4-BE49-F238E27FC236}">
+                <a16:creationId xmlns:a16="http://schemas.microsoft.com/office/drawing/2014/main" id="{D134AD8D-B623-C149-9DE4-E4F0B45A5EEB}"/>
+              </a:ext>
+            </a:extLst>
+          </p:cNvPr>
+          <p:cNvSpPr>
+            <a:spLocks noGrp="1"/>
+          </p:cNvSpPr>
+          <p:nvPr>
+            <p:ph idx="1"/>
+          </p:nvPr>
+        </p:nvSpPr>
+        <p:spPr/>
+        <p:txBody>
+          <a:bodyPr/>
+          <a:lstStyle/>
+          <a:p>
+            <a:endParaRPr lang="en-US" dirty="0"/>
+          </a:p>
+        </p:txBody>
+      </p:sp>
+      <p:sp>
+        <p:nvSpPr>
+          <p:cNvPr id="3" name="Title 2">
+            <a:extLst>
+              <a:ext uri="{FF2B5EF4-FFF2-40B4-BE49-F238E27FC236}">
+                <a16:creationId xmlns:a16="http://schemas.microsoft.com/office/drawing/2014/main" id="{2B6A347F-5EC8-1F47-96A2-A67CAB41B5A5}"/>
+              </a:ext>
+            </a:extLst>
+          </p:cNvPr>
+          <p:cNvSpPr>
+            <a:spLocks noGrp="1"/>
+          </p:cNvSpPr>
+          <p:nvPr>
+            <p:ph type="ctrTitle"/>
+          </p:nvPr>
+        </p:nvSpPr>
+        <p:spPr/>
+        <p:txBody>
+          <a:bodyPr/>
+          <a:lstStyle/>
+          <a:p>
+            <a:r>
+              <a:rPr lang="en-US" dirty="0"/>
+              <a:t>References</a:t>
+            </a:r>
+          </a:p>
+        </p:txBody>
+      </p:sp>
+    </p:spTree>
+    <p:extLst>
+      <p:ext uri="{BB962C8B-B14F-4D97-AF65-F5344CB8AC3E}">
+        <p14:creationId xmlns:p14="http://schemas.microsoft.com/office/powerpoint/2010/main" val="2917387211"/>
+      </p:ext>
+    </p:extLst>
+  </p:cSld>
+  <p:clrMapOvr>
+    <a:masterClrMapping/>
+  </p:clrMapOvr>
+</p:sld>
+</file>
+
+<file path=ppt/slides/slide25.xml><?xml version="1.0" encoding="utf-8"?>
+<p:sld xmlns:a="http://schemas.openxmlformats.org/drawingml/2006/main" xmlns:r="http://schemas.openxmlformats.org/officeDocument/2006/relationships" xmlns:p="http://schemas.openxmlformats.org/presentationml/2006/main">
+  <p:cSld>
+    <p:spTree>
+      <p:nvGrpSpPr>
+        <p:cNvPr id="1" name=""/>
+        <p:cNvGrpSpPr/>
+        <p:nvPr/>
+      </p:nvGrpSpPr>
+      <p:grpSpPr>
+        <a:xfrm>
+          <a:off x="0" y="0"/>
+          <a:ext cx="0" cy="0"/>
+          <a:chOff x="0" y="0"/>
+          <a:chExt cx="0" cy="0"/>
+        </a:xfrm>
+      </p:grpSpPr>
+      <p:sp>
+        <p:nvSpPr>
+          <p:cNvPr id="2" name="Content Placeholder 1">
+            <a:extLst>
+              <a:ext uri="{FF2B5EF4-FFF2-40B4-BE49-F238E27FC236}">
                 <a16:creationId xmlns:a16="http://schemas.microsoft.com/office/drawing/2014/main" id="{B16B3021-A81C-9647-A55D-7D16F5CCF83F}"/>
               </a:ext>
             </a:extLst>
@@ -5799,7 +7591,153 @@
 </p:sld>
 </file>
 
-<file path=ppt/slides/slide2.xml><?xml version="1.0" encoding="utf-8"?>
+<file path=ppt/slides/slide3.xml><?xml version="1.0" encoding="utf-8"?>
+<p:sld xmlns:a="http://schemas.openxmlformats.org/drawingml/2006/main" xmlns:r="http://schemas.openxmlformats.org/officeDocument/2006/relationships" xmlns:p="http://schemas.openxmlformats.org/presentationml/2006/main">
+  <p:cSld>
+    <p:spTree>
+      <p:nvGrpSpPr>
+        <p:cNvPr id="1" name=""/>
+        <p:cNvGrpSpPr/>
+        <p:nvPr/>
+      </p:nvGrpSpPr>
+      <p:grpSpPr>
+        <a:xfrm>
+          <a:off x="0" y="0"/>
+          <a:ext cx="0" cy="0"/>
+          <a:chOff x="0" y="0"/>
+          <a:chExt cx="0" cy="0"/>
+        </a:xfrm>
+      </p:grpSpPr>
+      <p:sp>
+        <p:nvSpPr>
+          <p:cNvPr id="2" name="Content Placeholder 1">
+            <a:extLst>
+              <a:ext uri="{FF2B5EF4-FFF2-40B4-BE49-F238E27FC236}">
+                <a16:creationId xmlns:a16="http://schemas.microsoft.com/office/drawing/2014/main" id="{3E75831E-1C6B-3542-A8E6-38E9FF024F86}"/>
+              </a:ext>
+            </a:extLst>
+          </p:cNvPr>
+          <p:cNvSpPr>
+            <a:spLocks noGrp="1"/>
+          </p:cNvSpPr>
+          <p:nvPr>
+            <p:ph idx="1"/>
+          </p:nvPr>
+        </p:nvSpPr>
+        <p:spPr/>
+        <p:txBody>
+          <a:bodyPr/>
+          <a:lstStyle/>
+          <a:p>
+            <a:r>
+              <a:rPr lang="en-US" sz="2400" dirty="0"/>
+              <a:t>Introduction</a:t>
+            </a:r>
+          </a:p>
+          <a:p>
+            <a:r>
+              <a:rPr lang="en-US" sz="2400" dirty="0">
+                <a:solidFill>
+                  <a:schemeClr val="bg1">
+                    <a:lumMod val="85000"/>
+                  </a:schemeClr>
+                </a:solidFill>
+              </a:rPr>
+              <a:t>Detailed Implementation</a:t>
+            </a:r>
+          </a:p>
+          <a:p>
+            <a:r>
+              <a:rPr lang="en-US" sz="2400" dirty="0">
+                <a:solidFill>
+                  <a:schemeClr val="bg1">
+                    <a:lumMod val="85000"/>
+                  </a:schemeClr>
+                </a:solidFill>
+              </a:rPr>
+              <a:t>Results. Do they match expectations</a:t>
+            </a:r>
+          </a:p>
+          <a:p>
+            <a:r>
+              <a:rPr lang="en-US" sz="2400" dirty="0">
+                <a:solidFill>
+                  <a:schemeClr val="bg1">
+                    <a:lumMod val="85000"/>
+                  </a:schemeClr>
+                </a:solidFill>
+              </a:rPr>
+              <a:t>Differences and improvements compared to previous works</a:t>
+            </a:r>
+          </a:p>
+          <a:p>
+            <a:r>
+              <a:rPr lang="en-US" sz="2400" dirty="0">
+                <a:solidFill>
+                  <a:schemeClr val="bg1">
+                    <a:lumMod val="85000"/>
+                  </a:schemeClr>
+                </a:solidFill>
+              </a:rPr>
+              <a:t>Challenges met and solutions</a:t>
+            </a:r>
+          </a:p>
+          <a:p>
+            <a:r>
+              <a:rPr lang="en-US" sz="2400" dirty="0">
+                <a:solidFill>
+                  <a:schemeClr val="bg1">
+                    <a:lumMod val="85000"/>
+                  </a:schemeClr>
+                </a:solidFill>
+              </a:rPr>
+              <a:t>Contributions of each team member</a:t>
+            </a:r>
+          </a:p>
+        </p:txBody>
+      </p:sp>
+      <p:sp>
+        <p:nvSpPr>
+          <p:cNvPr id="3" name="Title 2">
+            <a:extLst>
+              <a:ext uri="{FF2B5EF4-FFF2-40B4-BE49-F238E27FC236}">
+                <a16:creationId xmlns:a16="http://schemas.microsoft.com/office/drawing/2014/main" id="{A292247C-C23C-464A-91BD-372A608AE8EF}"/>
+              </a:ext>
+            </a:extLst>
+          </p:cNvPr>
+          <p:cNvSpPr>
+            <a:spLocks noGrp="1"/>
+          </p:cNvSpPr>
+          <p:nvPr>
+            <p:ph type="ctrTitle"/>
+          </p:nvPr>
+        </p:nvSpPr>
+        <p:spPr/>
+        <p:txBody>
+          <a:bodyPr/>
+          <a:lstStyle/>
+          <a:p>
+            <a:r>
+              <a:rPr lang="en-US" dirty="0"/>
+              <a:t>Agenda</a:t>
+            </a:r>
+          </a:p>
+        </p:txBody>
+      </p:sp>
+    </p:spTree>
+    <p:extLst>
+      <p:ext uri="{BB962C8B-B14F-4D97-AF65-F5344CB8AC3E}">
+        <p14:creationId xmlns:p14="http://schemas.microsoft.com/office/powerpoint/2010/main" val="1378781648"/>
+      </p:ext>
+    </p:extLst>
+  </p:cSld>
+  <p:clrMapOvr>
+    <a:masterClrMapping/>
+  </p:clrMapOvr>
+</p:sld>
+</file>
+
+<file path=ppt/slides/slide4.xml><?xml version="1.0" encoding="utf-8"?>
 <p:sld xmlns:a="http://schemas.openxmlformats.org/drawingml/2006/main" xmlns:r="http://schemas.openxmlformats.org/officeDocument/2006/relationships" xmlns:p="http://schemas.openxmlformats.org/presentationml/2006/main">
   <p:cSld>
     <p:spTree>
@@ -6021,238 +7959,6 @@
 </p:sld>
 </file>
 
-<file path=ppt/slides/slide3.xml><?xml version="1.0" encoding="utf-8"?>
-<p:sld xmlns:a="http://schemas.openxmlformats.org/drawingml/2006/main" xmlns:r="http://schemas.openxmlformats.org/officeDocument/2006/relationships" xmlns:p="http://schemas.openxmlformats.org/presentationml/2006/main">
-  <p:cSld>
-    <p:spTree>
-      <p:nvGrpSpPr>
-        <p:cNvPr id="1" name=""/>
-        <p:cNvGrpSpPr/>
-        <p:nvPr/>
-      </p:nvGrpSpPr>
-      <p:grpSpPr>
-        <a:xfrm>
-          <a:off x="0" y="0"/>
-          <a:ext cx="0" cy="0"/>
-          <a:chOff x="0" y="0"/>
-          <a:chExt cx="0" cy="0"/>
-        </a:xfrm>
-      </p:grpSpPr>
-      <p:sp>
-        <p:nvSpPr>
-          <p:cNvPr id="3" name="Title 2">
-            <a:extLst>
-              <a:ext uri="{FF2B5EF4-FFF2-40B4-BE49-F238E27FC236}">
-                <a16:creationId xmlns:a16="http://schemas.microsoft.com/office/drawing/2014/main" id="{A3DC956F-1725-C045-AB69-E3167F5A4CE2}"/>
-              </a:ext>
-            </a:extLst>
-          </p:cNvPr>
-          <p:cNvSpPr>
-            <a:spLocks noGrp="1"/>
-          </p:cNvSpPr>
-          <p:nvPr>
-            <p:ph type="ctrTitle"/>
-          </p:nvPr>
-        </p:nvSpPr>
-        <p:spPr>
-          <a:xfrm>
-            <a:off x="457200" y="642576"/>
-            <a:ext cx="8229600" cy="762000"/>
-          </a:xfrm>
-        </p:spPr>
-        <p:txBody>
-          <a:bodyPr/>
-          <a:lstStyle/>
-          <a:p>
-            <a:r>
-              <a:rPr lang="en-US" dirty="0"/>
-              <a:t>Motivation</a:t>
-            </a:r>
-          </a:p>
-        </p:txBody>
-      </p:sp>
-      <p:sp>
-        <p:nvSpPr>
-          <p:cNvPr id="4" name="Content Placeholder 1">
-            <a:extLst>
-              <a:ext uri="{FF2B5EF4-FFF2-40B4-BE49-F238E27FC236}">
-                <a16:creationId xmlns:a16="http://schemas.microsoft.com/office/drawing/2014/main" id="{44B6E5FD-B9B9-C249-AD24-19C0CC13A246}"/>
-              </a:ext>
-            </a:extLst>
-          </p:cNvPr>
-          <p:cNvSpPr>
-            <a:spLocks noGrp="1"/>
-          </p:cNvSpPr>
-          <p:nvPr>
-            <p:ph idx="1"/>
-          </p:nvPr>
-        </p:nvSpPr>
-        <p:spPr>
-          <a:xfrm>
-            <a:off x="457200" y="1600202"/>
-            <a:ext cx="8229600" cy="4525963"/>
-          </a:xfrm>
-        </p:spPr>
-        <p:txBody>
-          <a:bodyPr/>
-          <a:lstStyle/>
-          <a:p>
-            <a:r>
-              <a:rPr lang="en-US" sz="2400" dirty="0"/>
-              <a:t>Point cloud are used in a variety of applications including robotics and self driving cars with the data generated from RGB-D(</a:t>
-            </a:r>
-            <a:r>
-              <a:rPr lang="en-US" sz="2400" dirty="0" err="1"/>
-              <a:t>epth</a:t>
-            </a:r>
-            <a:r>
-              <a:rPr lang="en-US" sz="2400" dirty="0"/>
-              <a:t>), stereo, and LiDAR</a:t>
-            </a:r>
-          </a:p>
-          <a:p>
-            <a:r>
-              <a:rPr lang="en-US" sz="2400" dirty="0"/>
-              <a:t>Developing lightweight deep learning implementations that consume point cloud data will be useful for autonomous systems in performing segmentation and classification.</a:t>
-            </a:r>
-          </a:p>
-        </p:txBody>
-      </p:sp>
-    </p:spTree>
-    <p:extLst>
-      <p:ext uri="{BB962C8B-B14F-4D97-AF65-F5344CB8AC3E}">
-        <p14:creationId xmlns:p14="http://schemas.microsoft.com/office/powerpoint/2010/main" val="570654518"/>
-      </p:ext>
-    </p:extLst>
-  </p:cSld>
-  <p:clrMapOvr>
-    <a:masterClrMapping/>
-  </p:clrMapOvr>
-</p:sld>
-</file>
-
-<file path=ppt/slides/slide4.xml><?xml version="1.0" encoding="utf-8"?>
-<p:sld xmlns:a="http://schemas.openxmlformats.org/drawingml/2006/main" xmlns:r="http://schemas.openxmlformats.org/officeDocument/2006/relationships" xmlns:p="http://schemas.openxmlformats.org/presentationml/2006/main">
-  <p:cSld>
-    <p:spTree>
-      <p:nvGrpSpPr>
-        <p:cNvPr id="1" name=""/>
-        <p:cNvGrpSpPr/>
-        <p:nvPr/>
-      </p:nvGrpSpPr>
-      <p:grpSpPr>
-        <a:xfrm>
-          <a:off x="0" y="0"/>
-          <a:ext cx="0" cy="0"/>
-          <a:chOff x="0" y="0"/>
-          <a:chExt cx="0" cy="0"/>
-        </a:xfrm>
-      </p:grpSpPr>
-      <p:sp>
-        <p:nvSpPr>
-          <p:cNvPr id="3" name="Title 2">
-            <a:extLst>
-              <a:ext uri="{FF2B5EF4-FFF2-40B4-BE49-F238E27FC236}">
-                <a16:creationId xmlns:a16="http://schemas.microsoft.com/office/drawing/2014/main" id="{A3DC956F-1725-C045-AB69-E3167F5A4CE2}"/>
-              </a:ext>
-            </a:extLst>
-          </p:cNvPr>
-          <p:cNvSpPr>
-            <a:spLocks noGrp="1"/>
-          </p:cNvSpPr>
-          <p:nvPr>
-            <p:ph type="ctrTitle"/>
-          </p:nvPr>
-        </p:nvSpPr>
-        <p:spPr>
-          <a:xfrm>
-            <a:off x="457200" y="642576"/>
-            <a:ext cx="8229600" cy="762000"/>
-          </a:xfrm>
-        </p:spPr>
-        <p:txBody>
-          <a:bodyPr/>
-          <a:lstStyle/>
-          <a:p>
-            <a:r>
-              <a:rPr lang="en-US" dirty="0"/>
-              <a:t>Properties of Point Sets</a:t>
-            </a:r>
-          </a:p>
-        </p:txBody>
-      </p:sp>
-      <p:sp>
-        <p:nvSpPr>
-          <p:cNvPr id="4" name="Content Placeholder 1">
-            <a:extLst>
-              <a:ext uri="{FF2B5EF4-FFF2-40B4-BE49-F238E27FC236}">
-                <a16:creationId xmlns:a16="http://schemas.microsoft.com/office/drawing/2014/main" id="{44B6E5FD-B9B9-C249-AD24-19C0CC13A246}"/>
-              </a:ext>
-            </a:extLst>
-          </p:cNvPr>
-          <p:cNvSpPr>
-            <a:spLocks noGrp="1"/>
-          </p:cNvSpPr>
-          <p:nvPr>
-            <p:ph idx="1"/>
-          </p:nvPr>
-        </p:nvSpPr>
-        <p:spPr>
-          <a:xfrm>
-            <a:off x="457200" y="1600202"/>
-            <a:ext cx="8229600" cy="4525963"/>
-          </a:xfrm>
-        </p:spPr>
-        <p:txBody>
-          <a:bodyPr/>
-          <a:lstStyle/>
-          <a:p>
-            <a:r>
-              <a:rPr lang="en-US" sz="2400" dirty="0"/>
-              <a:t>Given a collection of points in </a:t>
-            </a:r>
-            <a:r>
-              <a:rPr lang="en-US" sz="2400" dirty="0" err="1"/>
-              <a:t>R^n</a:t>
-            </a:r>
-            <a:r>
-              <a:rPr lang="en-US" sz="2400" dirty="0"/>
-              <a:t>: </a:t>
-            </a:r>
-          </a:p>
-          <a:p>
-            <a:r>
-              <a:rPr lang="en-US" sz="2400" dirty="0"/>
-              <a:t>Unordered: Set of points without specific order. Given N points the network needs to be invariant to N! permutations</a:t>
-            </a:r>
-          </a:p>
-          <a:p>
-            <a:r>
-              <a:rPr lang="en-US" sz="2400" dirty="0"/>
-              <a:t>Interaction among points: points are not isolated and neighboring points form a meaningful subset.</a:t>
-            </a:r>
-          </a:p>
-          <a:p>
-            <a:r>
-              <a:rPr lang="en-US" sz="2400" dirty="0"/>
-              <a:t>Invariance under transformation: rotating and translating all points together should not modify the global point cloud category nor the segmentation of points.</a:t>
-            </a:r>
-          </a:p>
-        </p:txBody>
-      </p:sp>
-    </p:spTree>
-    <p:extLst>
-      <p:ext uri="{BB962C8B-B14F-4D97-AF65-F5344CB8AC3E}">
-        <p14:creationId xmlns:p14="http://schemas.microsoft.com/office/powerpoint/2010/main" val="1199234492"/>
-      </p:ext>
-    </p:extLst>
-  </p:cSld>
-  <p:clrMapOvr>
-    <a:masterClrMapping/>
-  </p:clrMapOvr>
-</p:sld>
-</file>
-
 <file path=ppt/slides/slide5.xml><?xml version="1.0" encoding="utf-8"?>
 <p:sld xmlns:a="http://schemas.openxmlformats.org/drawingml/2006/main" xmlns:r="http://schemas.openxmlformats.org/officeDocument/2006/relationships" xmlns:p="http://schemas.openxmlformats.org/presentationml/2006/main">
   <p:cSld>
@@ -6272,10 +7978,43 @@
       </p:grpSpPr>
       <p:sp>
         <p:nvSpPr>
-          <p:cNvPr id="2" name="Content Placeholder 1">
-            <a:extLst>
-              <a:ext uri="{FF2B5EF4-FFF2-40B4-BE49-F238E27FC236}">
-                <a16:creationId xmlns:a16="http://schemas.microsoft.com/office/drawing/2014/main" id="{3E75831E-1C6B-3542-A8E6-38E9FF024F86}"/>
+          <p:cNvPr id="3" name="Title 2">
+            <a:extLst>
+              <a:ext uri="{FF2B5EF4-FFF2-40B4-BE49-F238E27FC236}">
+                <a16:creationId xmlns:a16="http://schemas.microsoft.com/office/drawing/2014/main" id="{A3DC956F-1725-C045-AB69-E3167F5A4CE2}"/>
+              </a:ext>
+            </a:extLst>
+          </p:cNvPr>
+          <p:cNvSpPr>
+            <a:spLocks noGrp="1"/>
+          </p:cNvSpPr>
+          <p:nvPr>
+            <p:ph type="ctrTitle"/>
+          </p:nvPr>
+        </p:nvSpPr>
+        <p:spPr>
+          <a:xfrm>
+            <a:off x="457200" y="642576"/>
+            <a:ext cx="8229600" cy="762000"/>
+          </a:xfrm>
+        </p:spPr>
+        <p:txBody>
+          <a:bodyPr/>
+          <a:lstStyle/>
+          <a:p>
+            <a:r>
+              <a:rPr lang="en-US" dirty="0"/>
+              <a:t>Motivation</a:t>
+            </a:r>
+          </a:p>
+        </p:txBody>
+      </p:sp>
+      <p:sp>
+        <p:nvSpPr>
+          <p:cNvPr id="4" name="Content Placeholder 1">
+            <a:extLst>
+              <a:ext uri="{FF2B5EF4-FFF2-40B4-BE49-F238E27FC236}">
+                <a16:creationId xmlns:a16="http://schemas.microsoft.com/office/drawing/2014/main" id="{44B6E5FD-B9B9-C249-AD24-19C0CC13A246}"/>
               </a:ext>
             </a:extLst>
           </p:cNvPr>
@@ -6286,66 +8025,33 @@
             <p:ph idx="1"/>
           </p:nvPr>
         </p:nvSpPr>
-        <p:spPr/>
+        <p:spPr>
+          <a:xfrm>
+            <a:off x="457200" y="1600202"/>
+            <a:ext cx="8229600" cy="4525963"/>
+          </a:xfrm>
+        </p:spPr>
         <p:txBody>
           <a:bodyPr/>
           <a:lstStyle/>
           <a:p>
             <a:r>
               <a:rPr lang="en-US" sz="2400" dirty="0"/>
-              <a:t>Detailed Implementation</a:t>
-            </a:r>
-          </a:p>
-          <a:p>
+              <a:t>Point cloud are used in a variety of applications including robotics and self driving cars with the data generated from RGB-D(</a:t>
+            </a:r>
+            <a:r>
+              <a:rPr lang="en-US" sz="2400" dirty="0" err="1"/>
+              <a:t>epth</a:t>
+            </a:r>
             <a:r>
               <a:rPr lang="en-US" sz="2400" dirty="0"/>
-              <a:t>Challenges met and solutions</a:t>
+              <a:t>), Stereo, and LiDAR</a:t>
             </a:r>
           </a:p>
           <a:p>
             <a:r>
               <a:rPr lang="en-US" sz="2400" dirty="0"/>
-              <a:t>Results. Do they match expectations</a:t>
-            </a:r>
-          </a:p>
-          <a:p>
-            <a:r>
-              <a:rPr lang="en-US" sz="2400" dirty="0"/>
-              <a:t>Differences and improvements compared to previous works</a:t>
-            </a:r>
-          </a:p>
-          <a:p>
-            <a:r>
-              <a:rPr lang="en-US" sz="2400" dirty="0"/>
-              <a:t>Contributions of each team member</a:t>
-            </a:r>
-          </a:p>
-        </p:txBody>
-      </p:sp>
-      <p:sp>
-        <p:nvSpPr>
-          <p:cNvPr id="3" name="Title 2">
-            <a:extLst>
-              <a:ext uri="{FF2B5EF4-FFF2-40B4-BE49-F238E27FC236}">
-                <a16:creationId xmlns:a16="http://schemas.microsoft.com/office/drawing/2014/main" id="{A292247C-C23C-464A-91BD-372A608AE8EF}"/>
-              </a:ext>
-            </a:extLst>
-          </p:cNvPr>
-          <p:cNvSpPr>
-            <a:spLocks noGrp="1"/>
-          </p:cNvSpPr>
-          <p:nvPr>
-            <p:ph type="ctrTitle"/>
-          </p:nvPr>
-        </p:nvSpPr>
-        <p:spPr/>
-        <p:txBody>
-          <a:bodyPr/>
-          <a:lstStyle/>
-          <a:p>
-            <a:r>
-              <a:rPr lang="en-US" dirty="0"/>
-              <a:t>Specifications from Blackboard</a:t>
+              <a:t>Developing lightweight deep learning implementations that consume point cloud data will be useful for autonomous systems in performing segmentation and classification.</a:t>
             </a:r>
           </a:p>
         </p:txBody>
@@ -6353,7 +8059,7 @@
     </p:spTree>
     <p:extLst>
       <p:ext uri="{BB962C8B-B14F-4D97-AF65-F5344CB8AC3E}">
-        <p14:creationId xmlns:p14="http://schemas.microsoft.com/office/powerpoint/2010/main" val="131805375"/>
+        <p14:creationId xmlns:p14="http://schemas.microsoft.com/office/powerpoint/2010/main" val="570654518"/>
       </p:ext>
     </p:extLst>
   </p:cSld>
@@ -6364,6 +8070,274 @@
 </file>
 
 <file path=ppt/slides/slide6.xml><?xml version="1.0" encoding="utf-8"?>
+<p:sld xmlns:a="http://schemas.openxmlformats.org/drawingml/2006/main" xmlns:r="http://schemas.openxmlformats.org/officeDocument/2006/relationships" xmlns:p="http://schemas.openxmlformats.org/presentationml/2006/main">
+  <p:cSld>
+    <p:spTree>
+      <p:nvGrpSpPr>
+        <p:cNvPr id="1" name=""/>
+        <p:cNvGrpSpPr/>
+        <p:nvPr/>
+      </p:nvGrpSpPr>
+      <p:grpSpPr>
+        <a:xfrm>
+          <a:off x="0" y="0"/>
+          <a:ext cx="0" cy="0"/>
+          <a:chOff x="0" y="0"/>
+          <a:chExt cx="0" cy="0"/>
+        </a:xfrm>
+      </p:grpSpPr>
+      <p:sp>
+        <p:nvSpPr>
+          <p:cNvPr id="3" name="Title 2">
+            <a:extLst>
+              <a:ext uri="{FF2B5EF4-FFF2-40B4-BE49-F238E27FC236}">
+                <a16:creationId xmlns:a16="http://schemas.microsoft.com/office/drawing/2014/main" id="{A3DC956F-1725-C045-AB69-E3167F5A4CE2}"/>
+              </a:ext>
+            </a:extLst>
+          </p:cNvPr>
+          <p:cNvSpPr>
+            <a:spLocks noGrp="1"/>
+          </p:cNvSpPr>
+          <p:nvPr>
+            <p:ph type="ctrTitle"/>
+          </p:nvPr>
+        </p:nvSpPr>
+        <p:spPr>
+          <a:xfrm>
+            <a:off x="457200" y="642576"/>
+            <a:ext cx="8229600" cy="762000"/>
+          </a:xfrm>
+        </p:spPr>
+        <p:txBody>
+          <a:bodyPr/>
+          <a:lstStyle/>
+          <a:p>
+            <a:r>
+              <a:rPr lang="en-US" dirty="0"/>
+              <a:t>Properties of Point Sets</a:t>
+            </a:r>
+          </a:p>
+        </p:txBody>
+      </p:sp>
+      <p:sp>
+        <p:nvSpPr>
+          <p:cNvPr id="4" name="Content Placeholder 1">
+            <a:extLst>
+              <a:ext uri="{FF2B5EF4-FFF2-40B4-BE49-F238E27FC236}">
+                <a16:creationId xmlns:a16="http://schemas.microsoft.com/office/drawing/2014/main" id="{44B6E5FD-B9B9-C249-AD24-19C0CC13A246}"/>
+              </a:ext>
+            </a:extLst>
+          </p:cNvPr>
+          <p:cNvSpPr>
+            <a:spLocks noGrp="1"/>
+          </p:cNvSpPr>
+          <p:nvPr>
+            <p:ph idx="1"/>
+          </p:nvPr>
+        </p:nvSpPr>
+        <p:spPr>
+          <a:xfrm>
+            <a:off x="457200" y="1600202"/>
+            <a:ext cx="8229600" cy="4525963"/>
+          </a:xfrm>
+        </p:spPr>
+        <p:txBody>
+          <a:bodyPr/>
+          <a:lstStyle/>
+          <a:p>
+            <a:r>
+              <a:rPr lang="en-US" sz="2400" dirty="0"/>
+              <a:t>Given a collection of points in </a:t>
+            </a:r>
+            <a:r>
+              <a:rPr lang="en-US" sz="2400" dirty="0" err="1"/>
+              <a:t>R^n</a:t>
+            </a:r>
+            <a:r>
+              <a:rPr lang="en-US" sz="2400" dirty="0"/>
+              <a:t>: </a:t>
+            </a:r>
+          </a:p>
+          <a:p>
+            <a:r>
+              <a:rPr lang="en-US" sz="2400" dirty="0"/>
+              <a:t>Unordered: Set of points without specific order. Given N points the network needs to be invariant to N! permutations</a:t>
+            </a:r>
+          </a:p>
+          <a:p>
+            <a:r>
+              <a:rPr lang="en-US" sz="2400" dirty="0"/>
+              <a:t>Interaction among points: points are not isolated and neighboring points form a meaningful subset.</a:t>
+            </a:r>
+          </a:p>
+          <a:p>
+            <a:r>
+              <a:rPr lang="en-US" sz="2400" dirty="0"/>
+              <a:t>Invariance under transformation: rotating and translating all points together should not modify the global point cloud category nor the segmentation of points.</a:t>
+            </a:r>
+          </a:p>
+        </p:txBody>
+      </p:sp>
+    </p:spTree>
+    <p:extLst>
+      <p:ext uri="{BB962C8B-B14F-4D97-AF65-F5344CB8AC3E}">
+        <p14:creationId xmlns:p14="http://schemas.microsoft.com/office/powerpoint/2010/main" val="1199234492"/>
+      </p:ext>
+    </p:extLst>
+  </p:cSld>
+  <p:clrMapOvr>
+    <a:masterClrMapping/>
+  </p:clrMapOvr>
+</p:sld>
+</file>
+
+<file path=ppt/slides/slide7.xml><?xml version="1.0" encoding="utf-8"?>
+<p:sld xmlns:a="http://schemas.openxmlformats.org/drawingml/2006/main" xmlns:r="http://schemas.openxmlformats.org/officeDocument/2006/relationships" xmlns:p="http://schemas.openxmlformats.org/presentationml/2006/main">
+  <p:cSld>
+    <p:spTree>
+      <p:nvGrpSpPr>
+        <p:cNvPr id="1" name=""/>
+        <p:cNvGrpSpPr/>
+        <p:nvPr/>
+      </p:nvGrpSpPr>
+      <p:grpSpPr>
+        <a:xfrm>
+          <a:off x="0" y="0"/>
+          <a:ext cx="0" cy="0"/>
+          <a:chOff x="0" y="0"/>
+          <a:chExt cx="0" cy="0"/>
+        </a:xfrm>
+      </p:grpSpPr>
+      <p:sp>
+        <p:nvSpPr>
+          <p:cNvPr id="2" name="Content Placeholder 1">
+            <a:extLst>
+              <a:ext uri="{FF2B5EF4-FFF2-40B4-BE49-F238E27FC236}">
+                <a16:creationId xmlns:a16="http://schemas.microsoft.com/office/drawing/2014/main" id="{3E75831E-1C6B-3542-A8E6-38E9FF024F86}"/>
+              </a:ext>
+            </a:extLst>
+          </p:cNvPr>
+          <p:cNvSpPr>
+            <a:spLocks noGrp="1"/>
+          </p:cNvSpPr>
+          <p:nvPr>
+            <p:ph idx="1"/>
+          </p:nvPr>
+        </p:nvSpPr>
+        <p:spPr/>
+        <p:txBody>
+          <a:bodyPr/>
+          <a:lstStyle/>
+          <a:p>
+            <a:r>
+              <a:rPr lang="en-US" sz="2400" dirty="0">
+                <a:solidFill>
+                  <a:schemeClr val="bg1">
+                    <a:lumMod val="85000"/>
+                  </a:schemeClr>
+                </a:solidFill>
+              </a:rPr>
+              <a:t>Introduction</a:t>
+            </a:r>
+          </a:p>
+          <a:p>
+            <a:r>
+              <a:rPr lang="en-US" sz="2400" dirty="0"/>
+              <a:t>Detailed Implementation</a:t>
+            </a:r>
+          </a:p>
+          <a:p>
+            <a:r>
+              <a:rPr lang="en-US" sz="2400" dirty="0">
+                <a:solidFill>
+                  <a:schemeClr val="bg1">
+                    <a:lumMod val="85000"/>
+                  </a:schemeClr>
+                </a:solidFill>
+              </a:rPr>
+              <a:t>Results. Do they match expectations</a:t>
+            </a:r>
+          </a:p>
+          <a:p>
+            <a:r>
+              <a:rPr lang="en-US" sz="2400" dirty="0">
+                <a:solidFill>
+                  <a:schemeClr val="bg1">
+                    <a:lumMod val="85000"/>
+                  </a:schemeClr>
+                </a:solidFill>
+              </a:rPr>
+              <a:t>Differences and improvements compared to previous works</a:t>
+            </a:r>
+          </a:p>
+          <a:p>
+            <a:r>
+              <a:rPr lang="en-US" sz="2400" dirty="0">
+                <a:solidFill>
+                  <a:schemeClr val="bg1">
+                    <a:lumMod val="85000"/>
+                  </a:schemeClr>
+                </a:solidFill>
+              </a:rPr>
+              <a:t>Challenges met and solutions</a:t>
+            </a:r>
+          </a:p>
+          <a:p>
+            <a:r>
+              <a:rPr lang="en-US" sz="2400" dirty="0">
+                <a:solidFill>
+                  <a:schemeClr val="bg1">
+                    <a:lumMod val="85000"/>
+                  </a:schemeClr>
+                </a:solidFill>
+              </a:rPr>
+              <a:t>Contributions of each team member</a:t>
+            </a:r>
+          </a:p>
+        </p:txBody>
+      </p:sp>
+      <p:sp>
+        <p:nvSpPr>
+          <p:cNvPr id="3" name="Title 2">
+            <a:extLst>
+              <a:ext uri="{FF2B5EF4-FFF2-40B4-BE49-F238E27FC236}">
+                <a16:creationId xmlns:a16="http://schemas.microsoft.com/office/drawing/2014/main" id="{A292247C-C23C-464A-91BD-372A608AE8EF}"/>
+              </a:ext>
+            </a:extLst>
+          </p:cNvPr>
+          <p:cNvSpPr>
+            <a:spLocks noGrp="1"/>
+          </p:cNvSpPr>
+          <p:nvPr>
+            <p:ph type="ctrTitle"/>
+          </p:nvPr>
+        </p:nvSpPr>
+        <p:spPr/>
+        <p:txBody>
+          <a:bodyPr/>
+          <a:lstStyle/>
+          <a:p>
+            <a:r>
+              <a:rPr lang="en-US" dirty="0"/>
+              <a:t>Agenda</a:t>
+            </a:r>
+          </a:p>
+        </p:txBody>
+      </p:sp>
+    </p:spTree>
+    <p:extLst>
+      <p:ext uri="{BB962C8B-B14F-4D97-AF65-F5344CB8AC3E}">
+        <p14:creationId xmlns:p14="http://schemas.microsoft.com/office/powerpoint/2010/main" val="3410469535"/>
+      </p:ext>
+    </p:extLst>
+  </p:cSld>
+  <p:clrMapOvr>
+    <a:masterClrMapping/>
+  </p:clrMapOvr>
+</p:sld>
+</file>
+
+<file path=ppt/slides/slide8.xml><?xml version="1.0" encoding="utf-8"?>
 <p:sld xmlns:a="http://schemas.openxmlformats.org/drawingml/2006/main" xmlns:r="http://schemas.openxmlformats.org/officeDocument/2006/relationships" xmlns:p="http://schemas.openxmlformats.org/presentationml/2006/main">
   <p:cSld>
     <p:spTree>
@@ -6485,235 +8459,6 @@
 </p:sld>
 </file>
 
-<file path=ppt/slides/slide7.xml><?xml version="1.0" encoding="utf-8"?>
-<p:sld xmlns:a="http://schemas.openxmlformats.org/drawingml/2006/main" xmlns:r="http://schemas.openxmlformats.org/officeDocument/2006/relationships" xmlns:p="http://schemas.openxmlformats.org/presentationml/2006/main">
-  <p:cSld>
-    <p:spTree>
-      <p:nvGrpSpPr>
-        <p:cNvPr id="1" name=""/>
-        <p:cNvGrpSpPr/>
-        <p:nvPr/>
-      </p:nvGrpSpPr>
-      <p:grpSpPr>
-        <a:xfrm>
-          <a:off x="0" y="0"/>
-          <a:ext cx="0" cy="0"/>
-          <a:chOff x="0" y="0"/>
-          <a:chExt cx="0" cy="0"/>
-        </a:xfrm>
-      </p:grpSpPr>
-      <p:sp>
-        <p:nvSpPr>
-          <p:cNvPr id="2" name="Content Placeholder 1">
-            <a:extLst>
-              <a:ext uri="{FF2B5EF4-FFF2-40B4-BE49-F238E27FC236}">
-                <a16:creationId xmlns:a16="http://schemas.microsoft.com/office/drawing/2014/main" id="{0FC0B968-16D7-774F-BDA9-798854ADA8D3}"/>
-              </a:ext>
-            </a:extLst>
-          </p:cNvPr>
-          <p:cNvSpPr>
-            <a:spLocks noGrp="1"/>
-          </p:cNvSpPr>
-          <p:nvPr>
-            <p:ph idx="1"/>
-          </p:nvPr>
-        </p:nvSpPr>
-        <p:spPr/>
-        <p:txBody>
-          <a:bodyPr/>
-          <a:lstStyle/>
-          <a:p>
-            <a:r>
-              <a:rPr lang="en-US" sz="2400" dirty="0"/>
-              <a:t>Network learns set of optimization functions/criteria that select interesting or informative points of the point cloud and encode the reason for their selection</a:t>
-            </a:r>
-          </a:p>
-          <a:p>
-            <a:r>
-              <a:rPr lang="en-US" sz="2400" dirty="0"/>
-              <a:t>Fully connected layers of the network aggregate learnt optimal values into the global descriptor for entire shape (shape classification) or are used to predict per point labels (shape segmentation)</a:t>
-            </a:r>
-          </a:p>
-          <a:p>
-            <a:r>
-              <a:rPr lang="en-US" sz="2400" dirty="0"/>
-              <a:t>Easy to add transformations as each point transforms </a:t>
-            </a:r>
-            <a:r>
-              <a:rPr lang="en-US" sz="2400" dirty="0" err="1"/>
-              <a:t>independentluy</a:t>
-            </a:r>
-            <a:endParaRPr lang="en-US" sz="2400" dirty="0"/>
-          </a:p>
-        </p:txBody>
-      </p:sp>
-      <p:sp>
-        <p:nvSpPr>
-          <p:cNvPr id="3" name="Title 2">
-            <a:extLst>
-              <a:ext uri="{FF2B5EF4-FFF2-40B4-BE49-F238E27FC236}">
-                <a16:creationId xmlns:a16="http://schemas.microsoft.com/office/drawing/2014/main" id="{7DE2F2D3-E3A0-B946-80FE-7226BA04609F}"/>
-              </a:ext>
-            </a:extLst>
-          </p:cNvPr>
-          <p:cNvSpPr>
-            <a:spLocks noGrp="1"/>
-          </p:cNvSpPr>
-          <p:nvPr>
-            <p:ph type="ctrTitle"/>
-          </p:nvPr>
-        </p:nvSpPr>
-        <p:spPr/>
-        <p:txBody>
-          <a:bodyPr/>
-          <a:lstStyle/>
-          <a:p>
-            <a:r>
-              <a:rPr lang="en-US" dirty="0"/>
-              <a:t>Implementation: Overview</a:t>
-            </a:r>
-          </a:p>
-        </p:txBody>
-      </p:sp>
-    </p:spTree>
-    <p:extLst>
-      <p:ext uri="{BB962C8B-B14F-4D97-AF65-F5344CB8AC3E}">
-        <p14:creationId xmlns:p14="http://schemas.microsoft.com/office/powerpoint/2010/main" val="4277456722"/>
-      </p:ext>
-    </p:extLst>
-  </p:cSld>
-  <p:clrMapOvr>
-    <a:masterClrMapping/>
-  </p:clrMapOvr>
-</p:sld>
-</file>
-
-<file path=ppt/slides/slide8.xml><?xml version="1.0" encoding="utf-8"?>
-<p:sld xmlns:a="http://schemas.openxmlformats.org/drawingml/2006/main" xmlns:r="http://schemas.openxmlformats.org/officeDocument/2006/relationships" xmlns:p="http://schemas.openxmlformats.org/presentationml/2006/main">
-  <p:cSld>
-    <p:spTree>
-      <p:nvGrpSpPr>
-        <p:cNvPr id="1" name=""/>
-        <p:cNvGrpSpPr/>
-        <p:nvPr/>
-      </p:nvGrpSpPr>
-      <p:grpSpPr>
-        <a:xfrm>
-          <a:off x="0" y="0"/>
-          <a:ext cx="0" cy="0"/>
-          <a:chOff x="0" y="0"/>
-          <a:chExt cx="0" cy="0"/>
-        </a:xfrm>
-      </p:grpSpPr>
-      <p:sp>
-        <p:nvSpPr>
-          <p:cNvPr id="2" name="Content Placeholder 1">
-            <a:extLst>
-              <a:ext uri="{FF2B5EF4-FFF2-40B4-BE49-F238E27FC236}">
-                <a16:creationId xmlns:a16="http://schemas.microsoft.com/office/drawing/2014/main" id="{CF109349-8E05-9E46-9BD3-FCDC65353B38}"/>
-              </a:ext>
-            </a:extLst>
-          </p:cNvPr>
-          <p:cNvSpPr>
-            <a:spLocks noGrp="1"/>
-          </p:cNvSpPr>
-          <p:nvPr>
-            <p:ph idx="1"/>
-          </p:nvPr>
-        </p:nvSpPr>
-        <p:spPr/>
-        <p:txBody>
-          <a:bodyPr/>
-          <a:lstStyle/>
-          <a:p>
-            <a:r>
-              <a:rPr lang="en-US" sz="2800" dirty="0"/>
-              <a:t>Symmetry Function for Unordered Input:</a:t>
-            </a:r>
-          </a:p>
-          <a:p>
-            <a:pPr lvl="1"/>
-            <a:r>
-              <a:rPr lang="en-US" sz="2400" dirty="0"/>
-              <a:t>For invariance to input permutation</a:t>
-            </a:r>
-          </a:p>
-          <a:p>
-            <a:pPr lvl="1"/>
-            <a:r>
-              <a:rPr lang="en-US" sz="2400" dirty="0"/>
-              <a:t>Aggregate each input into a vector that is invariant to input order by using + and * operators.</a:t>
-            </a:r>
-          </a:p>
-          <a:p>
-            <a:r>
-              <a:rPr lang="en-US" sz="2800" dirty="0"/>
-              <a:t>Local and Global Information Aggregation:</a:t>
-            </a:r>
-          </a:p>
-          <a:p>
-            <a:pPr lvl="1"/>
-            <a:r>
-              <a:rPr lang="en-US" sz="2400" dirty="0"/>
-              <a:t>Used for segmentation</a:t>
-            </a:r>
-          </a:p>
-          <a:p>
-            <a:r>
-              <a:rPr lang="en-US" sz="2800" dirty="0"/>
-              <a:t>Joint Alignment Network:</a:t>
-            </a:r>
-          </a:p>
-          <a:p>
-            <a:pPr lvl="1"/>
-            <a:r>
-              <a:rPr lang="en-US" sz="2400" dirty="0"/>
-              <a:t>Used for segmentation</a:t>
-            </a:r>
-          </a:p>
-        </p:txBody>
-      </p:sp>
-      <p:sp>
-        <p:nvSpPr>
-          <p:cNvPr id="3" name="Title 2">
-            <a:extLst>
-              <a:ext uri="{FF2B5EF4-FFF2-40B4-BE49-F238E27FC236}">
-                <a16:creationId xmlns:a16="http://schemas.microsoft.com/office/drawing/2014/main" id="{3A888197-5490-FF4F-957B-D2F2697C28AB}"/>
-              </a:ext>
-            </a:extLst>
-          </p:cNvPr>
-          <p:cNvSpPr>
-            <a:spLocks noGrp="1"/>
-          </p:cNvSpPr>
-          <p:nvPr>
-            <p:ph type="ctrTitle"/>
-          </p:nvPr>
-        </p:nvSpPr>
-        <p:spPr/>
-        <p:txBody>
-          <a:bodyPr/>
-          <a:lstStyle/>
-          <a:p>
-            <a:r>
-              <a:rPr lang="en-US" dirty="0"/>
-              <a:t>Implementation: Overview</a:t>
-            </a:r>
-          </a:p>
-        </p:txBody>
-      </p:sp>
-    </p:spTree>
-    <p:extLst>
-      <p:ext uri="{BB962C8B-B14F-4D97-AF65-F5344CB8AC3E}">
-        <p14:creationId xmlns:p14="http://schemas.microsoft.com/office/powerpoint/2010/main" val="3935471687"/>
-      </p:ext>
-    </p:extLst>
-  </p:cSld>
-  <p:clrMapOvr>
-    <a:masterClrMapping/>
-  </p:clrMapOvr>
-</p:sld>
-</file>
-
 <file path=ppt/slides/slide9.xml><?xml version="1.0" encoding="utf-8"?>
 <p:sld xmlns:a="http://schemas.openxmlformats.org/drawingml/2006/main" xmlns:r="http://schemas.openxmlformats.org/officeDocument/2006/relationships" xmlns:p="http://schemas.openxmlformats.org/presentationml/2006/main">
   <p:cSld>
@@ -6736,7 +8481,7 @@
           <p:cNvPr id="2" name="Content Placeholder 1">
             <a:extLst>
               <a:ext uri="{FF2B5EF4-FFF2-40B4-BE49-F238E27FC236}">
-                <a16:creationId xmlns:a16="http://schemas.microsoft.com/office/drawing/2014/main" id="{65A8649D-E7F8-4547-A47A-A1ADE054A835}"/>
+                <a16:creationId xmlns:a16="http://schemas.microsoft.com/office/drawing/2014/main" id="{3E75831E-1C6B-3542-A8E6-38E9FF024F86}"/>
               </a:ext>
             </a:extLst>
           </p:cNvPr>
@@ -6754,25 +8499,7 @@
           <a:p>
             <a:r>
               <a:rPr lang="en-US" sz="2400" dirty="0"/>
-              <a:t>Network can approximate any set of function that is continuous</a:t>
-            </a:r>
-          </a:p>
-          <a:p>
-            <a:r>
-              <a:rPr lang="en-US" sz="2400" dirty="0"/>
-              <a:t>Network learns to summarize an input point cloud by a sparse set of key points aka the skeleton of the object</a:t>
-            </a:r>
-          </a:p>
-          <a:p>
-            <a:r>
-              <a:rPr lang="en-US" sz="2400" dirty="0"/>
-              <a:t>Robust to small perturbation of input points as well as corruption to outliers and missing data</a:t>
-            </a:r>
-          </a:p>
-          <a:p>
-            <a:r>
-              <a:rPr lang="en-US" sz="2400" dirty="0"/>
-              <a:t>Fast training time due to less voluminous data compared to voxel grids or collection of views</a:t>
+              <a:t>Details on Input Transform</a:t>
             </a:r>
           </a:p>
         </p:txBody>
@@ -6782,7 +8509,7 @@
           <p:cNvPr id="3" name="Title 2">
             <a:extLst>
               <a:ext uri="{FF2B5EF4-FFF2-40B4-BE49-F238E27FC236}">
-                <a16:creationId xmlns:a16="http://schemas.microsoft.com/office/drawing/2014/main" id="{B50C2044-F81A-5847-A601-568DC32826C0}"/>
+                <a16:creationId xmlns:a16="http://schemas.microsoft.com/office/drawing/2014/main" id="{A292247C-C23C-464A-91BD-372A608AE8EF}"/>
               </a:ext>
             </a:extLst>
           </p:cNvPr>
@@ -6800,15 +8527,45 @@
           <a:p>
             <a:r>
               <a:rPr lang="en-US" dirty="0"/>
-              <a:t>Benefits</a:t>
-            </a:r>
-          </a:p>
-        </p:txBody>
-      </p:sp>
+              <a:t>Implementation: Input Transform</a:t>
+            </a:r>
+          </a:p>
+        </p:txBody>
+      </p:sp>
+      <p:pic>
+        <p:nvPicPr>
+          <p:cNvPr id="4" name="Picture 3">
+            <a:extLst>
+              <a:ext uri="{FF2B5EF4-FFF2-40B4-BE49-F238E27FC236}">
+                <a16:creationId xmlns:a16="http://schemas.microsoft.com/office/drawing/2014/main" id="{8AEE03CE-0CB4-504E-8D76-3F1772F19DEA}"/>
+              </a:ext>
+            </a:extLst>
+          </p:cNvPr>
+          <p:cNvPicPr>
+            <a:picLocks noChangeAspect="1"/>
+          </p:cNvPicPr>
+          <p:nvPr/>
+        </p:nvPicPr>
+        <p:blipFill>
+          <a:blip r:embed="rId2"/>
+          <a:stretch>
+            <a:fillRect/>
+          </a:stretch>
+        </p:blipFill>
+        <p:spPr>
+          <a:xfrm>
+            <a:off x="457200" y="3083421"/>
+            <a:ext cx="8231997" cy="3047999"/>
+          </a:xfrm>
+          <a:prstGeom prst="rect">
+            <a:avLst/>
+          </a:prstGeom>
+        </p:spPr>
+      </p:pic>
     </p:spTree>
     <p:extLst>
       <p:ext uri="{BB962C8B-B14F-4D97-AF65-F5344CB8AC3E}">
-        <p14:creationId xmlns:p14="http://schemas.microsoft.com/office/powerpoint/2010/main" val="2685683328"/>
+        <p14:creationId xmlns:p14="http://schemas.microsoft.com/office/powerpoint/2010/main" val="1009532085"/>
       </p:ext>
     </p:extLst>
   </p:cSld>

--- a/PowerPoints/EECE5554_Final_Project.pptx
+++ b/PowerPoints/EECE5554_Final_Project.pptx
@@ -1879,14 +1879,14 @@
           </a:ln>
           <a:extLst>
             <a:ext uri="{909E8E84-426E-40dd-AFC4-6F175D3DCCD1}">
-              <a14:hiddenFill xmlns:a14="http://schemas.microsoft.com/office/drawing/2010/main" xmlns="">
+              <a14:hiddenFill xmlns="" xmlns:a14="http://schemas.microsoft.com/office/drawing/2010/main">
                 <a:solidFill>
                   <a:srgbClr val="FFFFFF"/>
                 </a:solidFill>
               </a14:hiddenFill>
             </a:ext>
             <a:ext uri="{91240B29-F687-4f45-9708-019B960494DF}">
-              <a14:hiddenLine xmlns:a14="http://schemas.microsoft.com/office/drawing/2010/main" xmlns="" w="9525">
+              <a14:hiddenLine xmlns="" xmlns:a14="http://schemas.microsoft.com/office/drawing/2010/main" w="9525">
                 <a:solidFill>
                   <a:srgbClr val="000000"/>
                 </a:solidFill>
@@ -2104,14 +2104,14 @@
           </a:ln>
           <a:extLst>
             <a:ext uri="{909E8E84-426E-40dd-AFC4-6F175D3DCCD1}">
-              <a14:hiddenFill xmlns:a14="http://schemas.microsoft.com/office/drawing/2010/main" xmlns="">
+              <a14:hiddenFill xmlns="" xmlns:a14="http://schemas.microsoft.com/office/drawing/2010/main">
                 <a:solidFill>
                   <a:srgbClr val="FFFFFF"/>
                 </a:solidFill>
               </a14:hiddenFill>
             </a:ext>
             <a:ext uri="{91240B29-F687-4f45-9708-019B960494DF}">
-              <a14:hiddenLine xmlns:a14="http://schemas.microsoft.com/office/drawing/2010/main" xmlns="" w="9525">
+              <a14:hiddenLine xmlns="" xmlns:a14="http://schemas.microsoft.com/office/drawing/2010/main" w="9525">
                 <a:solidFill>
                   <a:srgbClr val="000000"/>
                 </a:solidFill>
@@ -7024,7 +7024,60 @@
           <a:bodyPr/>
           <a:lstStyle/>
           <a:p>
-            <a:endParaRPr lang="en-US" sz="2400" dirty="0"/>
+            <a:r>
+              <a:rPr lang="en-US" sz="2400" dirty="0"/>
+              <a:t>Data Loading:</a:t>
+            </a:r>
+          </a:p>
+          <a:p>
+            <a:pPr lvl="1"/>
+            <a:r>
+              <a:rPr lang="en-US" sz="2000" dirty="0" err="1"/>
+              <a:t>ShapeNet</a:t>
+            </a:r>
+            <a:r>
+              <a:rPr lang="en-US" sz="2000" dirty="0"/>
+              <a:t> data has all data separated into class folders (e.g.  </a:t>
+            </a:r>
+            <a:r>
+              <a:rPr lang="en-US" sz="2000" dirty="0" err="1"/>
+              <a:t>ShapeNet</a:t>
+            </a:r>
+            <a:r>
+              <a:rPr lang="en-US" sz="2000" dirty="0"/>
+              <a:t>/</a:t>
+            </a:r>
+            <a:r>
+              <a:rPr lang="en-US" sz="2000" dirty="0" err="1"/>
+              <a:t>train_data</a:t>
+            </a:r>
+            <a:r>
+              <a:rPr lang="en-US" sz="2000" dirty="0"/>
+              <a:t>/</a:t>
+            </a:r>
+            <a:r>
+              <a:rPr lang="en-US" sz="2000" dirty="0" err="1"/>
+              <a:t>class_numbers</a:t>
+            </a:r>
+            <a:r>
+              <a:rPr lang="en-US" sz="2000" dirty="0"/>
+              <a:t>/collection of points)</a:t>
+            </a:r>
+          </a:p>
+          <a:p>
+            <a:pPr lvl="1"/>
+            <a:r>
+              <a:rPr lang="en-US" sz="2000" dirty="0"/>
+              <a:t>Need to shuffle all data together for </a:t>
+            </a:r>
+            <a:r>
+              <a:rPr lang="en-US" sz="2000" dirty="0" err="1"/>
+              <a:t>dataloader</a:t>
+            </a:r>
+            <a:r>
+              <a:rPr lang="en-US" sz="2000" dirty="0"/>
+              <a:t> used in training</a:t>
+            </a:r>
           </a:p>
         </p:txBody>
       </p:sp>

--- a/PowerPoints/EECE5554_Final_Project.pptx
+++ b/PowerPoints/EECE5554_Final_Project.pptx
@@ -318,7 +318,7 @@
           <a:p>
             <a:fld id="{FB67E610-DBB5-964A-A213-D459E2805448}" type="datetimeFigureOut">
               <a:rPr lang="en-US" smtClean="0"/>
-              <a:t>4/15/20</a:t>
+              <a:t>4/16/20</a:t>
             </a:fld>
             <a:endParaRPr lang="en-US"/>
           </a:p>
@@ -1879,14 +1879,14 @@
           </a:ln>
           <a:extLst>
             <a:ext uri="{909E8E84-426E-40dd-AFC4-6F175D3DCCD1}">
-              <a14:hiddenFill xmlns="" xmlns:a14="http://schemas.microsoft.com/office/drawing/2010/main">
+              <a14:hiddenFill xmlns:a14="http://schemas.microsoft.com/office/drawing/2010/main" xmlns="">
                 <a:solidFill>
                   <a:srgbClr val="FFFFFF"/>
                 </a:solidFill>
               </a14:hiddenFill>
             </a:ext>
             <a:ext uri="{91240B29-F687-4f45-9708-019B960494DF}">
-              <a14:hiddenLine xmlns="" xmlns:a14="http://schemas.microsoft.com/office/drawing/2010/main" w="9525">
+              <a14:hiddenLine xmlns:a14="http://schemas.microsoft.com/office/drawing/2010/main" xmlns="" w="9525">
                 <a:solidFill>
                   <a:srgbClr val="000000"/>
                 </a:solidFill>
@@ -2104,14 +2104,14 @@
           </a:ln>
           <a:extLst>
             <a:ext uri="{909E8E84-426E-40dd-AFC4-6F175D3DCCD1}">
-              <a14:hiddenFill xmlns="" xmlns:a14="http://schemas.microsoft.com/office/drawing/2010/main">
+              <a14:hiddenFill xmlns:a14="http://schemas.microsoft.com/office/drawing/2010/main" xmlns="">
                 <a:solidFill>
                   <a:srgbClr val="FFFFFF"/>
                 </a:solidFill>
               </a14:hiddenFill>
             </a:ext>
             <a:ext uri="{91240B29-F687-4f45-9708-019B960494DF}">
-              <a14:hiddenLine xmlns="" xmlns:a14="http://schemas.microsoft.com/office/drawing/2010/main" w="9525">
+              <a14:hiddenLine xmlns:a14="http://schemas.microsoft.com/office/drawing/2010/main" xmlns="" w="9525">
                 <a:solidFill>
                   <a:srgbClr val="000000"/>
                 </a:solidFill>
@@ -2275,7 +2275,7 @@
             <a:fld id="{79279E35-9C39-41A3-B9D2-5278FD6D8DDC}" type="datetimeFigureOut">
               <a:rPr lang="en-US" altLang="en-US"/>
               <a:pPr/>
-              <a:t>4/15/20</a:t>
+              <a:t>4/16/20</a:t>
             </a:fld>
             <a:endParaRPr lang="en-US" altLang="en-US"/>
           </a:p>
@@ -2639,7 +2639,7 @@
             <a:fld id="{BF458AF3-BD15-4BFB-A60F-262C4444305D}" type="datetimeFigureOut">
               <a:rPr lang="en-US" altLang="en-US"/>
               <a:pPr/>
-              <a:t>4/15/20</a:t>
+              <a:t>4/16/20</a:t>
             </a:fld>
             <a:endParaRPr lang="en-US" altLang="en-US"/>
           </a:p>
@@ -2922,7 +2922,7 @@
             <a:fld id="{4E4E1B3A-F39C-4D4C-AF0D-7BF0EBF1902C}" type="datetimeFigureOut">
               <a:rPr lang="en-US" altLang="en-US"/>
               <a:pPr/>
-              <a:t>4/15/20</a:t>
+              <a:t>4/16/20</a:t>
             </a:fld>
             <a:endParaRPr lang="en-US" altLang="en-US"/>
           </a:p>
@@ -3253,7 +3253,7 @@
             <a:fld id="{11EB6960-3233-4EAA-8FC5-02B034967A69}" type="datetimeFigureOut">
               <a:rPr lang="en-US" altLang="en-US"/>
               <a:pPr/>
-              <a:t>4/15/20</a:t>
+              <a:t>4/16/20</a:t>
             </a:fld>
             <a:endParaRPr lang="en-US" altLang="en-US"/>
           </a:p>
@@ -3715,7 +3715,7 @@
             <a:fld id="{E187BA0A-8D26-4FB9-BFB6-61C76F975855}" type="datetimeFigureOut">
               <a:rPr lang="en-US" altLang="en-US"/>
               <a:pPr/>
-              <a:t>4/15/20</a:t>
+              <a:t>4/16/20</a:t>
             </a:fld>
             <a:endParaRPr lang="en-US" altLang="en-US"/>
           </a:p>
@@ -3881,7 +3881,7 @@
             <a:fld id="{03AC124E-09A9-42FF-9A8C-8BCA62660993}" type="datetimeFigureOut">
               <a:rPr lang="en-US" altLang="en-US"/>
               <a:pPr/>
-              <a:t>4/15/20</a:t>
+              <a:t>4/16/20</a:t>
             </a:fld>
             <a:endParaRPr lang="en-US" altLang="en-US"/>
           </a:p>
@@ -4011,7 +4011,7 @@
             <a:fld id="{E4803E2A-D4C0-49FB-A4B7-C3A8CF9033CC}" type="datetimeFigureOut">
               <a:rPr lang="en-US" altLang="en-US"/>
               <a:pPr/>
-              <a:t>4/15/20</a:t>
+              <a:t>4/16/20</a:t>
             </a:fld>
             <a:endParaRPr lang="en-US" altLang="en-US"/>
           </a:p>
@@ -4324,7 +4324,7 @@
             <a:fld id="{018C8D68-1076-49DE-A007-41D011960D8A}" type="datetimeFigureOut">
               <a:rPr lang="en-US" altLang="en-US"/>
               <a:pPr/>
-              <a:t>4/15/20</a:t>
+              <a:t>4/16/20</a:t>
             </a:fld>
             <a:endParaRPr lang="en-US" altLang="en-US"/>
           </a:p>
@@ -4620,7 +4620,7 @@
             <a:fld id="{05E9DDD0-ED68-4B58-8EE7-EAAD76738E86}" type="datetimeFigureOut">
               <a:rPr lang="en-US" altLang="en-US"/>
               <a:pPr/>
-              <a:t>4/15/20</a:t>
+              <a:t>4/16/20</a:t>
             </a:fld>
             <a:endParaRPr lang="en-US" altLang="en-US"/>
           </a:p>
@@ -4867,7 +4867,7 @@
             <a:fld id="{AB3985E2-B91B-43B4-A7C6-C571D16267EB}" type="datetimeFigureOut">
               <a:rPr lang="en-US" altLang="en-US"/>
               <a:pPr/>
-              <a:t>4/15/20</a:t>
+              <a:t>4/16/20</a:t>
             </a:fld>
             <a:endParaRPr lang="en-US" altLang="en-US"/>
           </a:p>
@@ -7077,6 +7077,13 @@
             <a:r>
               <a:rPr lang="en-US" sz="2000" dirty="0"/>
               <a:t> used in training</a:t>
+            </a:r>
+          </a:p>
+          <a:p>
+            <a:pPr lvl="1"/>
+            <a:r>
+              <a:rPr lang="en-US" sz="2000" dirty="0"/>
+              <a:t>Point clouds do not have equal number of points </a:t>
             </a:r>
           </a:p>
         </p:txBody>
